--- a/Documentações Eliney/AF/Template para Pôster 2 ConnectEvent - Startup one.pptx
+++ b/Documentações Eliney/AF/Template para Pôster 2 ConnectEvent - Startup one.pptx
@@ -1119,21 +1119,7 @@
                 <a:latin typeface="Arial"/>
                 <a:cs typeface="Arial"/>
               </a:rPr>
-              <a:t>Muitas empresas não conseguem alcançar todas as pessoas que esperavam e enfrentam diversos problemas como a falta de informação dos clientes, a dificuldade de gerar interesse, efetivar vendas, dentre muitos outros. Bem como, muitas pessoas também não conseguem encontrar os melhores eventos que encaixem nas suas agendas semanais ou não conhecem uma boa variedade de novos lugares para irem. Diante desse cenário, foi criada a ideia de desenvolver uma plataforma digital que centralizasse e conectasse todos esses eventos oferecidos por empresários e organizadores de festa aos seus clientes em um só lugar, com isso, para resolver este problema identificado,  criou-se a ideia da plataforma digital </a:t>
-            </a:r>
-            <a:r>
-              <a:rPr lang="pt-BR" sz="2100" dirty="0" err="1">
-                <a:latin typeface="Arial"/>
-                <a:cs typeface="Arial"/>
-              </a:rPr>
-              <a:t>ConnectEvent</a:t>
-            </a:r>
-            <a:r>
-              <a:rPr lang="pt-BR" sz="2100" dirty="0">
-                <a:latin typeface="Arial"/>
-                <a:cs typeface="Arial"/>
-              </a:rPr>
-              <a:t>.</a:t>
+              <a:t>Muitas empresas não conseguem alcançar todas as pessoas que esperavam e enfrentam diversos problemas como a falta de informação dos clientes, a dificuldade de gerar interesse, efetivar vendas, dentre muitos outros. Bem como, muitas pessoas também não conseguem encontrar os melhores eventos que encaixem nas suas agendas semanais ou não conhecem uma boa variedade de novos lugares para irem. Diante desse cenário, foi criada a ideia de desenvolver uma plataforma digital que centralizasse e conectasse todos esses eventos oferecidos por empresários e organizadores de festa aos seus clientes em um só lugar, com isso, para resolver este problema identificado,  criou-se a ideia da plataforma digital ConnectEvent.</a:t>
             </a:r>
           </a:p>
         </p:txBody>
@@ -1200,52 +1186,6 @@
             <a:r>
               <a:rPr lang="pt-BR" sz="2100" dirty="0"/>
               <a:t>O projeto possui relevância ao propor uma solução para um problema real enfrentado tanto por organizadores e consumidores de eventos, quanto para a sociedade em geral. A ausência de plataformas unificadas prejudica a facilidade, a descoberta de eventos e a comunicação entre ambas as partes.</a:t>
-            </a:r>
-          </a:p>
-        </p:txBody>
-      </p:sp>
-      <p:sp>
-        <p:nvSpPr>
-          <p:cNvPr id="12" name="CaixaDeTexto 11">
-            <a:extLst>
-              <a:ext uri="{FF2B5EF4-FFF2-40B4-BE49-F238E27FC236}">
-                <a16:creationId xmlns:a16="http://schemas.microsoft.com/office/drawing/2014/main" id="{CFFA3D12-41B4-39AC-8C10-4384360DDDE7}"/>
-              </a:ext>
-            </a:extLst>
-          </p:cNvPr>
-          <p:cNvSpPr txBox="1"/>
-          <p:nvPr/>
-        </p:nvSpPr>
-        <p:spPr>
-          <a:xfrm>
-            <a:off x="16285792" y="15099694"/>
-            <a:ext cx="4612224" cy="461665"/>
-          </a:xfrm>
-          <a:prstGeom prst="rect">
-            <a:avLst/>
-          </a:prstGeom>
-          <a:noFill/>
-        </p:spPr>
-        <p:txBody>
-          <a:bodyPr wrap="square" rtlCol="0">
-            <a:spAutoFit/>
-          </a:bodyPr>
-          <a:lstStyle/>
-          <a:p>
-            <a:pPr algn="ctr"/>
-            <a:r>
-              <a:rPr lang="pt-BR" sz="2400" b="1" dirty="0">
-                <a:latin typeface="Arial" panose="020B0604020202020204" pitchFamily="34" charset="0"/>
-                <a:cs typeface="Arial" panose="020B0604020202020204" pitchFamily="34" charset="0"/>
-              </a:rPr>
-              <a:t>Figura 2</a:t>
-            </a:r>
-            <a:r>
-              <a:rPr lang="pt-BR" sz="2400" dirty="0">
-                <a:latin typeface="Arial" panose="020B0604020202020204" pitchFamily="34" charset="0"/>
-                <a:cs typeface="Arial" panose="020B0604020202020204" pitchFamily="34" charset="0"/>
-              </a:rPr>
-              <a:t>. Feedback da persona.</a:t>
             </a:r>
           </a:p>
         </p:txBody>
@@ -1605,8 +1545,8 @@
         </p:nvSpPr>
         <p:spPr>
           <a:xfrm>
-            <a:off x="10867208" y="12022536"/>
-            <a:ext cx="5064487" cy="3677603"/>
+            <a:off x="11158446" y="8602482"/>
+            <a:ext cx="9776874" cy="1889879"/>
           </a:xfrm>
           <a:prstGeom prst="roundRect">
             <a:avLst/>
@@ -1646,27 +1586,7 @@
                 <a:latin typeface="Arial"/>
                 <a:cs typeface="Arial"/>
               </a:rPr>
-              <a:t>Durante a realização do projeto, teve-se alguns encontros com personas reais responsáveis por ajudar a testar e validar as ideias inseridas dentro do projeto. Após essas reuniões, recolheu-se todos os feedbacks em ordem de prioridade para iniciar o planejamento de ação a fim de alterar ou implementar as opiniões dentro do </a:t>
-            </a:r>
-            <a:r>
-              <a:rPr lang="pt-BR" sz="2100" dirty="0" err="1">
-                <a:solidFill>
-                  <a:schemeClr val="tx1"/>
-                </a:solidFill>
-                <a:latin typeface="Arial"/>
-                <a:cs typeface="Arial"/>
-              </a:rPr>
-              <a:t>ConnectEvent</a:t>
-            </a:r>
-            <a:r>
-              <a:rPr lang="pt-BR" sz="2100" dirty="0">
-                <a:solidFill>
-                  <a:schemeClr val="tx1"/>
-                </a:solidFill>
-                <a:latin typeface="Arial"/>
-                <a:cs typeface="Arial"/>
-              </a:rPr>
-              <a:t>.</a:t>
+              <a:t>Durante a realização do projeto, teve-se alguns encontros com personas reais responsáveis por ajudar a testar e validar as ideias inseridas dentro do projeto. Após essas reuniões, recolheu-se todos os feedbacks em ordem de prioridade para iniciar o planejamento de ação a fim de alterar e implementar novas opiniões e pontos de vista dentro do ConnectEvent.</a:t>
             </a:r>
           </a:p>
         </p:txBody>
@@ -1685,8 +1605,8 @@
         </p:nvSpPr>
         <p:spPr>
           <a:xfrm>
-            <a:off x="10896897" y="8758276"/>
-            <a:ext cx="2686883" cy="1569660"/>
+            <a:off x="11306053" y="10494129"/>
+            <a:ext cx="2686883" cy="1200329"/>
           </a:xfrm>
           <a:prstGeom prst="rect">
             <a:avLst/>
@@ -1705,14 +1625,14 @@
                 <a:latin typeface="Arial" panose="020B0604020202020204" pitchFamily="34" charset="0"/>
                 <a:cs typeface="Arial" panose="020B0604020202020204" pitchFamily="34" charset="0"/>
               </a:rPr>
-              <a:t>Tabela 2</a:t>
+              <a:t>Figura 2</a:t>
             </a:r>
             <a:r>
               <a:rPr lang="pt-BR" sz="2400" dirty="0">
                 <a:latin typeface="Arial" panose="020B0604020202020204" pitchFamily="34" charset="0"/>
                 <a:cs typeface="Arial" panose="020B0604020202020204" pitchFamily="34" charset="0"/>
               </a:rPr>
-              <a:t>. Tabela de prioridades após a validação das personas.</a:t>
+              <a:t>. Evento anunciado e publicado.</a:t>
             </a:r>
           </a:p>
         </p:txBody>
@@ -1731,7 +1651,7 @@
         </p:nvSpPr>
         <p:spPr>
           <a:xfrm>
-            <a:off x="11067481" y="16020507"/>
+            <a:off x="11109334" y="19657378"/>
             <a:ext cx="9825986" cy="830997"/>
           </a:xfrm>
           <a:prstGeom prst="rect">
@@ -1883,15 +1803,7 @@
           <a:p>
             <a:r>
               <a:rPr lang="pt-BR" sz="2100" dirty="0"/>
-              <a:t>Como Estudos Futuros pretende-se focar nas partes Estatísticas e de Geolocalização do site, amplificando, facilitando e melhorando cada vez mais a experiência do usuário dentro do </a:t>
-            </a:r>
-            <a:r>
-              <a:rPr lang="pt-BR" sz="2100" dirty="0" err="1"/>
-              <a:t>ConnectEvent</a:t>
-            </a:r>
-            <a:r>
-              <a:rPr lang="pt-BR" sz="2100" dirty="0"/>
-              <a:t>. Complementando, futuramente, tem-se a ideia de explorar e ampliar as funcionalidades do site para uma versão mobile.</a:t>
+              <a:t>Como Estudos Futuros pretende-se focar nas partes Estatísticas e de Geolocalização do site, amplificando, facilitando e melhorando cada vez mais a experiência do usuário dentro do ConnectEvent. Complementando, futuramente, tem-se a ideia de explorar e ampliar as funcionalidades do site para uma versão mobile.</a:t>
             </a:r>
           </a:p>
         </p:txBody>
@@ -2134,7 +2046,7 @@
                 <a:latin typeface="Arial" panose="020B0604020202020204" pitchFamily="34" charset="0"/>
                 <a:cs typeface="Arial" panose="020B0604020202020204" pitchFamily="34" charset="0"/>
               </a:rPr>
-              <a:t>Orientador: Eliney Sabino</a:t>
+              <a:t>Professor Orientador: Eliney Sabino</a:t>
             </a:r>
           </a:p>
         </p:txBody>
@@ -2180,21 +2092,7 @@
                 <a:latin typeface="Arial" panose="020B0604020202020204" pitchFamily="34" charset="0"/>
                 <a:cs typeface="Arial" panose="020B0604020202020204" pitchFamily="34" charset="0"/>
               </a:rPr>
-              <a:t>. Orçamento do projeto </a:t>
-            </a:r>
-            <a:r>
-              <a:rPr lang="pt-BR" sz="2400" dirty="0" err="1">
-                <a:latin typeface="Arial" panose="020B0604020202020204" pitchFamily="34" charset="0"/>
-                <a:cs typeface="Arial" panose="020B0604020202020204" pitchFamily="34" charset="0"/>
-              </a:rPr>
-              <a:t>ConnectEvent</a:t>
-            </a:r>
-            <a:r>
-              <a:rPr lang="pt-BR" sz="2400" dirty="0">
-                <a:latin typeface="Arial" panose="020B0604020202020204" pitchFamily="34" charset="0"/>
-                <a:cs typeface="Arial" panose="020B0604020202020204" pitchFamily="34" charset="0"/>
-              </a:rPr>
-              <a:t>.</a:t>
+              <a:t>. Orçamento do projeto ConnectEvent.</a:t>
             </a:r>
           </a:p>
         </p:txBody>
@@ -2338,48 +2236,6 @@
       </p:sp>
       <p:sp>
         <p:nvSpPr>
-          <p:cNvPr id="6" name="CaixaDeTexto 5">
-            <a:extLst>
-              <a:ext uri="{FF2B5EF4-FFF2-40B4-BE49-F238E27FC236}">
-                <a16:creationId xmlns:a16="http://schemas.microsoft.com/office/drawing/2014/main" id="{99174588-5703-F27A-977D-67B79978DD86}"/>
-              </a:ext>
-            </a:extLst>
-          </p:cNvPr>
-          <p:cNvSpPr txBox="1"/>
-          <p:nvPr/>
-        </p:nvSpPr>
-        <p:spPr>
-          <a:xfrm>
-            <a:off x="16617368" y="15491714"/>
-            <a:ext cx="3949073" cy="400110"/>
-          </a:xfrm>
-          <a:prstGeom prst="rect">
-            <a:avLst/>
-          </a:prstGeom>
-          <a:noFill/>
-        </p:spPr>
-        <p:txBody>
-          <a:bodyPr rot="0" spcFirstLastPara="0" vertOverflow="overflow" horzOverflow="overflow" vert="horz" wrap="square" lIns="91440" tIns="45720" rIns="91440" bIns="45720" numCol="1" spcCol="0" rtlCol="0" fromWordArt="0" anchor="t" anchorCtr="0" forceAA="0" compatLnSpc="1">
-            <a:prstTxWarp prst="textNoShape">
-              <a:avLst/>
-            </a:prstTxWarp>
-            <a:spAutoFit/>
-          </a:bodyPr>
-          <a:lstStyle/>
-          <a:p>
-            <a:pPr algn="ctr"/>
-            <a:r>
-              <a:rPr lang="pt-BR" sz="2000" dirty="0">
-                <a:latin typeface="Arial"/>
-                <a:cs typeface="Arial"/>
-              </a:rPr>
-              <a:t>Fonte: Elaborado pelos autores.​</a:t>
-            </a:r>
-          </a:p>
-        </p:txBody>
-      </p:sp>
-      <p:sp>
-        <p:nvSpPr>
           <p:cNvPr id="7" name="CaixaDeTexto 6">
             <a:extLst>
               <a:ext uri="{FF2B5EF4-FFF2-40B4-BE49-F238E27FC236}">
@@ -2392,7 +2248,7 @@
         </p:nvSpPr>
         <p:spPr>
           <a:xfrm>
-            <a:off x="11201876" y="10249400"/>
+            <a:off x="11523163" y="11665152"/>
             <a:ext cx="2400657" cy="707886"/>
           </a:xfrm>
           <a:prstGeom prst="rect">
@@ -2492,237 +2348,6 @@
           </a:prstGeom>
         </p:spPr>
       </p:pic>
-      <p:pic>
-        <p:nvPicPr>
-          <p:cNvPr id="13" name="Imagem 12">
-            <a:extLst>
-              <a:ext uri="{FF2B5EF4-FFF2-40B4-BE49-F238E27FC236}">
-                <a16:creationId xmlns:a16="http://schemas.microsoft.com/office/drawing/2014/main" id="{B94CA085-890E-5D94-3546-D3F1260579C9}"/>
-              </a:ext>
-            </a:extLst>
-          </p:cNvPr>
-          <p:cNvPicPr>
-            <a:picLocks noChangeAspect="1"/>
-          </p:cNvPicPr>
-          <p:nvPr/>
-        </p:nvPicPr>
-        <p:blipFill>
-          <a:blip r:embed="rId5"/>
-          <a:stretch>
-            <a:fillRect/>
-          </a:stretch>
-        </p:blipFill>
-        <p:spPr>
-          <a:xfrm>
-            <a:off x="16068598" y="11773914"/>
-            <a:ext cx="5023048" cy="3400217"/>
-          </a:xfrm>
-          <a:prstGeom prst="rect">
-            <a:avLst/>
-          </a:prstGeom>
-        </p:spPr>
-      </p:pic>
-      <p:pic>
-        <p:nvPicPr>
-          <p:cNvPr id="16" name="Imagem 15">
-            <a:extLst>
-              <a:ext uri="{FF2B5EF4-FFF2-40B4-BE49-F238E27FC236}">
-                <a16:creationId xmlns:a16="http://schemas.microsoft.com/office/drawing/2014/main" id="{248DF1A1-3493-419F-6997-6A1C448F2B59}"/>
-              </a:ext>
-            </a:extLst>
-          </p:cNvPr>
-          <p:cNvPicPr>
-            <a:picLocks noChangeAspect="1"/>
-          </p:cNvPicPr>
-          <p:nvPr/>
-        </p:nvPicPr>
-        <p:blipFill>
-          <a:blip r:embed="rId6"/>
-          <a:stretch>
-            <a:fillRect/>
-          </a:stretch>
-        </p:blipFill>
-        <p:spPr>
-          <a:xfrm>
-            <a:off x="13572965" y="8697092"/>
-            <a:ext cx="7546686" cy="2889544"/>
-          </a:xfrm>
-          <a:prstGeom prst="rect">
-            <a:avLst/>
-          </a:prstGeom>
-        </p:spPr>
-      </p:pic>
-      <p:sp>
-        <p:nvSpPr>
-          <p:cNvPr id="17" name="Retângulo 16">
-            <a:extLst>
-              <a:ext uri="{FF2B5EF4-FFF2-40B4-BE49-F238E27FC236}">
-                <a16:creationId xmlns:a16="http://schemas.microsoft.com/office/drawing/2014/main" id="{0EA8ED74-7753-6967-C801-450C62E7F838}"/>
-              </a:ext>
-            </a:extLst>
-          </p:cNvPr>
-          <p:cNvSpPr/>
-          <p:nvPr/>
-        </p:nvSpPr>
-        <p:spPr>
-          <a:xfrm>
-            <a:off x="10839042" y="12104519"/>
-            <a:ext cx="5172944" cy="3400217"/>
-          </a:xfrm>
-          <a:prstGeom prst="rect">
-            <a:avLst/>
-          </a:prstGeom>
-          <a:noFill/>
-          <a:effectLst>
-            <a:glow rad="63500">
-              <a:schemeClr val="accent1">
-                <a:satMod val="175000"/>
-                <a:alpha val="40000"/>
-              </a:schemeClr>
-            </a:glow>
-          </a:effectLst>
-        </p:spPr>
-        <p:style>
-          <a:lnRef idx="2">
-            <a:schemeClr val="accent1">
-              <a:shade val="15000"/>
-            </a:schemeClr>
-          </a:lnRef>
-          <a:fillRef idx="1">
-            <a:schemeClr val="accent1"/>
-          </a:fillRef>
-          <a:effectRef idx="0">
-            <a:schemeClr val="accent1"/>
-          </a:effectRef>
-          <a:fontRef idx="minor">
-            <a:schemeClr val="lt1"/>
-          </a:fontRef>
-        </p:style>
-        <p:txBody>
-          <a:bodyPr rtlCol="0" anchor="ctr"/>
-          <a:lstStyle/>
-          <a:p>
-            <a:pPr algn="ctr"/>
-            <a:endParaRPr lang="pt-BR"/>
-          </a:p>
-        </p:txBody>
-      </p:sp>
-      <p:pic>
-        <p:nvPicPr>
-          <p:cNvPr id="21" name="Imagem 20">
-            <a:extLst>
-              <a:ext uri="{FF2B5EF4-FFF2-40B4-BE49-F238E27FC236}">
-                <a16:creationId xmlns:a16="http://schemas.microsoft.com/office/drawing/2014/main" id="{17569CCA-6E99-9481-75F9-15D34E279A57}"/>
-              </a:ext>
-            </a:extLst>
-          </p:cNvPr>
-          <p:cNvPicPr>
-            <a:picLocks noChangeAspect="1"/>
-          </p:cNvPicPr>
-          <p:nvPr/>
-        </p:nvPicPr>
-        <p:blipFill>
-          <a:blip r:embed="rId7"/>
-          <a:stretch>
-            <a:fillRect/>
-          </a:stretch>
-        </p:blipFill>
-        <p:spPr>
-          <a:xfrm>
-            <a:off x="11125042" y="16992661"/>
-            <a:ext cx="7294020" cy="3109811"/>
-          </a:xfrm>
-          <a:prstGeom prst="rect">
-            <a:avLst/>
-          </a:prstGeom>
-        </p:spPr>
-      </p:pic>
-      <p:sp>
-        <p:nvSpPr>
-          <p:cNvPr id="22" name="CaixaDeTexto 21">
-            <a:extLst>
-              <a:ext uri="{FF2B5EF4-FFF2-40B4-BE49-F238E27FC236}">
-                <a16:creationId xmlns:a16="http://schemas.microsoft.com/office/drawing/2014/main" id="{75E99BB5-3452-7FBE-1232-4AEE8FF0642F}"/>
-              </a:ext>
-            </a:extLst>
-          </p:cNvPr>
-          <p:cNvSpPr txBox="1"/>
-          <p:nvPr/>
-        </p:nvSpPr>
-        <p:spPr>
-          <a:xfrm>
-            <a:off x="18480005" y="17357853"/>
-            <a:ext cx="2611641" cy="1569660"/>
-          </a:xfrm>
-          <a:prstGeom prst="rect">
-            <a:avLst/>
-          </a:prstGeom>
-          <a:noFill/>
-        </p:spPr>
-        <p:txBody>
-          <a:bodyPr wrap="square" rtlCol="0">
-            <a:spAutoFit/>
-          </a:bodyPr>
-          <a:lstStyle/>
-          <a:p>
-            <a:r>
-              <a:rPr lang="pt-BR" sz="2400" b="1" dirty="0">
-                <a:latin typeface="Arial" panose="020B0604020202020204" pitchFamily="34" charset="0"/>
-                <a:cs typeface="Arial" panose="020B0604020202020204" pitchFamily="34" charset="0"/>
-              </a:rPr>
-              <a:t>Figura 2</a:t>
-            </a:r>
-            <a:r>
-              <a:rPr lang="pt-BR" sz="2400" dirty="0">
-                <a:latin typeface="Arial" panose="020B0604020202020204" pitchFamily="34" charset="0"/>
-                <a:cs typeface="Arial" panose="020B0604020202020204" pitchFamily="34" charset="0"/>
-              </a:rPr>
-              <a:t>. Implementação sugerida pelas personas.</a:t>
-            </a:r>
-          </a:p>
-        </p:txBody>
-      </p:sp>
-      <p:sp>
-        <p:nvSpPr>
-          <p:cNvPr id="25" name="CaixaDeTexto 24">
-            <a:extLst>
-              <a:ext uri="{FF2B5EF4-FFF2-40B4-BE49-F238E27FC236}">
-                <a16:creationId xmlns:a16="http://schemas.microsoft.com/office/drawing/2014/main" id="{6D3B22E6-505A-9EF1-CB26-B9EB46DE6057}"/>
-              </a:ext>
-            </a:extLst>
-          </p:cNvPr>
-          <p:cNvSpPr txBox="1"/>
-          <p:nvPr/>
-        </p:nvSpPr>
-        <p:spPr>
-          <a:xfrm>
-            <a:off x="18508119" y="18941097"/>
-            <a:ext cx="2436997" cy="707886"/>
-          </a:xfrm>
-          <a:prstGeom prst="rect">
-            <a:avLst/>
-          </a:prstGeom>
-          <a:noFill/>
-        </p:spPr>
-        <p:txBody>
-          <a:bodyPr rot="0" spcFirstLastPara="0" vertOverflow="overflow" horzOverflow="overflow" vert="horz" wrap="square" lIns="91440" tIns="45720" rIns="91440" bIns="45720" numCol="1" spcCol="0" rtlCol="0" fromWordArt="0" anchor="t" anchorCtr="0" forceAA="0" compatLnSpc="1">
-            <a:prstTxWarp prst="textNoShape">
-              <a:avLst/>
-            </a:prstTxWarp>
-            <a:spAutoFit/>
-          </a:bodyPr>
-          <a:lstStyle/>
-          <a:p>
-            <a:r>
-              <a:rPr lang="pt-BR" sz="2000" dirty="0">
-                <a:latin typeface="Arial"/>
-                <a:cs typeface="Arial"/>
-              </a:rPr>
-              <a:t>Fonte: Elaborado pelos autores.​</a:t>
-            </a:r>
-          </a:p>
-        </p:txBody>
-      </p:sp>
       <p:sp>
         <p:nvSpPr>
           <p:cNvPr id="8" name="CaixaDeTexto 7">
@@ -2777,7 +2402,7 @@
           <p:nvPr/>
         </p:nvPicPr>
         <p:blipFill>
-          <a:blip r:embed="rId8">
+          <a:blip r:embed="rId5">
             <a:extLst>
               <a:ext uri="{28A0092B-C50C-407E-A947-70E740481C1C}">
                 <a14:useLocalDpi xmlns:a14="http://schemas.microsoft.com/office/drawing/2010/main" val="0"/>
@@ -7636,6 +7261,329 @@
           </a:graphicData>
         </a:graphic>
       </p:graphicFrame>
+      <p:sp>
+        <p:nvSpPr>
+          <p:cNvPr id="10" name="CaixaDeTexto 9">
+            <a:extLst>
+              <a:ext uri="{FF2B5EF4-FFF2-40B4-BE49-F238E27FC236}">
+                <a16:creationId xmlns:a16="http://schemas.microsoft.com/office/drawing/2014/main" id="{DA9FA9CB-B560-8F7A-8CE3-305E96A93E09}"/>
+              </a:ext>
+            </a:extLst>
+          </p:cNvPr>
+          <p:cNvSpPr txBox="1"/>
+          <p:nvPr/>
+        </p:nvSpPr>
+        <p:spPr>
+          <a:xfrm>
+            <a:off x="11151187" y="20444397"/>
+            <a:ext cx="9675019" cy="2247424"/>
+          </a:xfrm>
+          <a:prstGeom prst="roundRect">
+            <a:avLst/>
+          </a:prstGeom>
+          <a:noFill/>
+          <a:ln>
+            <a:noFill/>
+          </a:ln>
+        </p:spPr>
+        <p:style>
+          <a:lnRef idx="2">
+            <a:schemeClr val="accent1"/>
+          </a:lnRef>
+          <a:fillRef idx="1">
+            <a:schemeClr val="lt1"/>
+          </a:fillRef>
+          <a:effectRef idx="0">
+            <a:schemeClr val="accent1"/>
+          </a:effectRef>
+          <a:fontRef idx="minor">
+            <a:schemeClr val="dk1"/>
+          </a:fontRef>
+        </p:style>
+        <p:txBody>
+          <a:bodyPr wrap="square" lIns="91440" tIns="45720" rIns="91440" bIns="45720" rtlCol="0" anchor="t">
+            <a:spAutoFit/>
+          </a:bodyPr>
+          <a:lstStyle/>
+          <a:p>
+            <a:pPr algn="just"/>
+            <a:r>
+              <a:rPr lang="pt-BR" sz="2100" dirty="0">
+                <a:solidFill>
+                  <a:schemeClr val="tx1"/>
+                </a:solidFill>
+                <a:latin typeface="Arial"/>
+                <a:cs typeface="Arial"/>
+              </a:rPr>
+              <a:t>Após todos os testes e as novas modificações dentro do sistema, finalmente criou-se o site de divulgação de eventos, ConnectEvent. Este site busca atender todo e qualquer público que necessita realizar a divulgação dos seus eventos, assim como também tem a pretensão de facilitar a buscar por eventos para aquelas pessoas que procuram sair de casa para ampliar o seu repertório cultural.</a:t>
+            </a:r>
+          </a:p>
+        </p:txBody>
+      </p:sp>
+      <p:pic>
+        <p:nvPicPr>
+          <p:cNvPr id="20" name="Imagem 19">
+            <a:extLst>
+              <a:ext uri="{FF2B5EF4-FFF2-40B4-BE49-F238E27FC236}">
+                <a16:creationId xmlns:a16="http://schemas.microsoft.com/office/drawing/2014/main" id="{3137AF57-6072-30F6-CA7D-4CA2C12C9CFF}"/>
+              </a:ext>
+            </a:extLst>
+          </p:cNvPr>
+          <p:cNvPicPr>
+            <a:picLocks noChangeAspect="1"/>
+          </p:cNvPicPr>
+          <p:nvPr/>
+        </p:nvPicPr>
+        <p:blipFill>
+          <a:blip r:embed="rId6"/>
+          <a:stretch>
+            <a:fillRect/>
+          </a:stretch>
+        </p:blipFill>
+        <p:spPr>
+          <a:xfrm>
+            <a:off x="11109334" y="13635217"/>
+            <a:ext cx="3347715" cy="5911923"/>
+          </a:xfrm>
+          <a:prstGeom prst="rect">
+            <a:avLst/>
+          </a:prstGeom>
+        </p:spPr>
+      </p:pic>
+      <p:pic>
+        <p:nvPicPr>
+          <p:cNvPr id="27" name="Imagem 26">
+            <a:extLst>
+              <a:ext uri="{FF2B5EF4-FFF2-40B4-BE49-F238E27FC236}">
+                <a16:creationId xmlns:a16="http://schemas.microsoft.com/office/drawing/2014/main" id="{DE260E9C-C6CA-D03E-A2B9-3532A166794A}"/>
+              </a:ext>
+            </a:extLst>
+          </p:cNvPr>
+          <p:cNvPicPr>
+            <a:picLocks noChangeAspect="1"/>
+          </p:cNvPicPr>
+          <p:nvPr/>
+        </p:nvPicPr>
+        <p:blipFill>
+          <a:blip r:embed="rId7"/>
+          <a:stretch>
+            <a:fillRect/>
+          </a:stretch>
+        </p:blipFill>
+        <p:spPr>
+          <a:xfrm>
+            <a:off x="13992936" y="10359021"/>
+            <a:ext cx="6985814" cy="3145689"/>
+          </a:xfrm>
+          <a:prstGeom prst="rect">
+            <a:avLst/>
+          </a:prstGeom>
+        </p:spPr>
+      </p:pic>
+      <p:pic>
+        <p:nvPicPr>
+          <p:cNvPr id="30" name="Imagem 29">
+            <a:extLst>
+              <a:ext uri="{FF2B5EF4-FFF2-40B4-BE49-F238E27FC236}">
+                <a16:creationId xmlns:a16="http://schemas.microsoft.com/office/drawing/2014/main" id="{2D3B97D1-D646-CD16-9BEB-36FE79C59E3F}"/>
+              </a:ext>
+            </a:extLst>
+          </p:cNvPr>
+          <p:cNvPicPr>
+            <a:picLocks noChangeAspect="1"/>
+          </p:cNvPicPr>
+          <p:nvPr/>
+        </p:nvPicPr>
+        <p:blipFill>
+          <a:blip r:embed="rId8"/>
+          <a:stretch>
+            <a:fillRect/>
+          </a:stretch>
+        </p:blipFill>
+        <p:spPr>
+          <a:xfrm>
+            <a:off x="14984241" y="15888006"/>
+            <a:ext cx="5878441" cy="3665153"/>
+          </a:xfrm>
+          <a:prstGeom prst="rect">
+            <a:avLst/>
+          </a:prstGeom>
+        </p:spPr>
+      </p:pic>
+      <p:sp>
+        <p:nvSpPr>
+          <p:cNvPr id="32" name="CaixaDeTexto 31">
+            <a:extLst>
+              <a:ext uri="{FF2B5EF4-FFF2-40B4-BE49-F238E27FC236}">
+                <a16:creationId xmlns:a16="http://schemas.microsoft.com/office/drawing/2014/main" id="{53A2CA0D-26EB-4583-4122-35B54869FAC2}"/>
+              </a:ext>
+            </a:extLst>
+          </p:cNvPr>
+          <p:cNvSpPr txBox="1"/>
+          <p:nvPr/>
+        </p:nvSpPr>
+        <p:spPr>
+          <a:xfrm>
+            <a:off x="14457049" y="13976321"/>
+            <a:ext cx="2686883" cy="830997"/>
+          </a:xfrm>
+          <a:prstGeom prst="rect">
+            <a:avLst/>
+          </a:prstGeom>
+          <a:noFill/>
+        </p:spPr>
+        <p:txBody>
+          <a:bodyPr wrap="square" rtlCol="0">
+            <a:spAutoFit/>
+          </a:bodyPr>
+          <a:lstStyle/>
+          <a:p>
+            <a:r>
+              <a:rPr lang="pt-BR" sz="2400" b="1" dirty="0">
+                <a:latin typeface="Arial" panose="020B0604020202020204" pitchFamily="34" charset="0"/>
+                <a:cs typeface="Arial" panose="020B0604020202020204" pitchFamily="34" charset="0"/>
+              </a:rPr>
+              <a:t>Figura 3</a:t>
+            </a:r>
+            <a:r>
+              <a:rPr lang="pt-BR" sz="2400" dirty="0">
+                <a:latin typeface="Arial" panose="020B0604020202020204" pitchFamily="34" charset="0"/>
+                <a:cs typeface="Arial" panose="020B0604020202020204" pitchFamily="34" charset="0"/>
+              </a:rPr>
+              <a:t>. Área de Login.</a:t>
+            </a:r>
+          </a:p>
+        </p:txBody>
+      </p:sp>
+      <p:sp>
+        <p:nvSpPr>
+          <p:cNvPr id="33" name="CaixaDeTexto 32">
+            <a:extLst>
+              <a:ext uri="{FF2B5EF4-FFF2-40B4-BE49-F238E27FC236}">
+                <a16:creationId xmlns:a16="http://schemas.microsoft.com/office/drawing/2014/main" id="{6F640C7D-D38C-DBAA-7589-323A173A77D2}"/>
+              </a:ext>
+            </a:extLst>
+          </p:cNvPr>
+          <p:cNvSpPr txBox="1"/>
+          <p:nvPr/>
+        </p:nvSpPr>
+        <p:spPr>
+          <a:xfrm>
+            <a:off x="14437924" y="14731296"/>
+            <a:ext cx="2400657" cy="707886"/>
+          </a:xfrm>
+          <a:prstGeom prst="rect">
+            <a:avLst/>
+          </a:prstGeom>
+          <a:noFill/>
+        </p:spPr>
+        <p:txBody>
+          <a:bodyPr rot="0" spcFirstLastPara="0" vertOverflow="overflow" horzOverflow="overflow" vert="horz" wrap="square" lIns="91440" tIns="45720" rIns="91440" bIns="45720" numCol="1" spcCol="0" rtlCol="0" fromWordArt="0" anchor="t" anchorCtr="0" forceAA="0" compatLnSpc="1">
+            <a:prstTxWarp prst="textNoShape">
+              <a:avLst/>
+            </a:prstTxWarp>
+            <a:spAutoFit/>
+          </a:bodyPr>
+          <a:lstStyle/>
+          <a:p>
+            <a:r>
+              <a:rPr lang="pt-BR" sz="2000" dirty="0">
+                <a:latin typeface="Arial"/>
+                <a:cs typeface="Arial"/>
+              </a:rPr>
+              <a:t>Fonte: Elaborado pelos autores.​</a:t>
+            </a:r>
+          </a:p>
+        </p:txBody>
+      </p:sp>
+      <p:sp>
+        <p:nvSpPr>
+          <p:cNvPr id="34" name="CaixaDeTexto 33">
+            <a:extLst>
+              <a:ext uri="{FF2B5EF4-FFF2-40B4-BE49-F238E27FC236}">
+                <a16:creationId xmlns:a16="http://schemas.microsoft.com/office/drawing/2014/main" id="{143F5210-E6F9-93B9-8E24-F8881A2E68B0}"/>
+              </a:ext>
+            </a:extLst>
+          </p:cNvPr>
+          <p:cNvSpPr txBox="1"/>
+          <p:nvPr/>
+        </p:nvSpPr>
+        <p:spPr>
+          <a:xfrm>
+            <a:off x="18291867" y="14314677"/>
+            <a:ext cx="2686883" cy="830997"/>
+          </a:xfrm>
+          <a:prstGeom prst="rect">
+            <a:avLst/>
+          </a:prstGeom>
+          <a:noFill/>
+        </p:spPr>
+        <p:txBody>
+          <a:bodyPr wrap="square" rtlCol="0">
+            <a:spAutoFit/>
+          </a:bodyPr>
+          <a:lstStyle/>
+          <a:p>
+            <a:pPr algn="r"/>
+            <a:r>
+              <a:rPr lang="pt-BR" sz="2400" b="1" dirty="0">
+                <a:latin typeface="Arial" panose="020B0604020202020204" pitchFamily="34" charset="0"/>
+                <a:cs typeface="Arial" panose="020B0604020202020204" pitchFamily="34" charset="0"/>
+              </a:rPr>
+              <a:t>Figura 4</a:t>
+            </a:r>
+            <a:r>
+              <a:rPr lang="pt-BR" sz="2400" dirty="0">
+                <a:latin typeface="Arial" panose="020B0604020202020204" pitchFamily="34" charset="0"/>
+                <a:cs typeface="Arial" panose="020B0604020202020204" pitchFamily="34" charset="0"/>
+              </a:rPr>
+              <a:t>. Área de Registro.</a:t>
+            </a:r>
+          </a:p>
+        </p:txBody>
+      </p:sp>
+      <p:sp>
+        <p:nvSpPr>
+          <p:cNvPr id="35" name="CaixaDeTexto 34">
+            <a:extLst>
+              <a:ext uri="{FF2B5EF4-FFF2-40B4-BE49-F238E27FC236}">
+                <a16:creationId xmlns:a16="http://schemas.microsoft.com/office/drawing/2014/main" id="{D2457B00-B308-E5D9-DB29-C880242DC7AB}"/>
+              </a:ext>
+            </a:extLst>
+          </p:cNvPr>
+          <p:cNvSpPr txBox="1"/>
+          <p:nvPr/>
+        </p:nvSpPr>
+        <p:spPr>
+          <a:xfrm>
+            <a:off x="18578093" y="15159096"/>
+            <a:ext cx="2400657" cy="707886"/>
+          </a:xfrm>
+          <a:prstGeom prst="rect">
+            <a:avLst/>
+          </a:prstGeom>
+          <a:noFill/>
+        </p:spPr>
+        <p:txBody>
+          <a:bodyPr rot="0" spcFirstLastPara="0" vertOverflow="overflow" horzOverflow="overflow" vert="horz" wrap="square" lIns="91440" tIns="45720" rIns="91440" bIns="45720" numCol="1" spcCol="0" rtlCol="0" fromWordArt="0" anchor="t" anchorCtr="0" forceAA="0" compatLnSpc="1">
+            <a:prstTxWarp prst="textNoShape">
+              <a:avLst/>
+            </a:prstTxWarp>
+            <a:spAutoFit/>
+          </a:bodyPr>
+          <a:lstStyle/>
+          <a:p>
+            <a:pPr algn="r"/>
+            <a:r>
+              <a:rPr lang="pt-BR" sz="2000" dirty="0">
+                <a:latin typeface="Arial"/>
+                <a:cs typeface="Arial"/>
+              </a:rPr>
+              <a:t>Fonte: Elaborado pelos autores.​</a:t>
+            </a:r>
+          </a:p>
+        </p:txBody>
+      </p:sp>
     </p:spTree>
     <p:extLst>
       <p:ext uri="{BB962C8B-B14F-4D97-AF65-F5344CB8AC3E}">
@@ -7911,6 +7859,23 @@
 </file>
 
 <file path=customXml/item1.xml><?xml version="1.0" encoding="utf-8"?>
+<p:properties xmlns:p="http://schemas.microsoft.com/office/2006/metadata/properties" xmlns:xsi="http://www.w3.org/2001/XMLSchema-instance" xmlns:pc="http://schemas.microsoft.com/office/infopath/2007/PartnerControls">
+  <documentManagement>
+    <_activity xmlns="ff6ad67d-1b1d-4c73-9dd4-98a4fbcad5a6" xsi:nil="true"/>
+  </documentManagement>
+</p:properties>
+</file>
+
+<file path=customXml/item2.xml><?xml version="1.0" encoding="utf-8"?>
+<?mso-contentType ?>
+<FormTemplates xmlns="http://schemas.microsoft.com/sharepoint/v3/contenttype/forms">
+  <Display>DocumentLibraryForm</Display>
+  <Edit>DocumentLibraryForm</Edit>
+  <New>DocumentLibraryForm</New>
+</FormTemplates>
+</file>
+
+<file path=customXml/item3.xml><?xml version="1.0" encoding="utf-8"?>
 <ct:contentTypeSchema xmlns:ct="http://schemas.microsoft.com/office/2006/metadata/contentType" xmlns:ma="http://schemas.microsoft.com/office/2006/metadata/properties/metaAttributes" ct:_="" ma:_="" ma:contentTypeName="Documento" ma:contentTypeID="0x0101009A894B47E77362449B3110FE52FC1761" ma:contentTypeVersion="16" ma:contentTypeDescription="Crie um novo documento." ma:contentTypeScope="" ma:versionID="a174adf514af0ec3b9bd0eb9e1c0e71e">
   <xsd:schema xmlns:xsd="http://www.w3.org/2001/XMLSchema" xmlns:xs="http://www.w3.org/2001/XMLSchema" xmlns:p="http://schemas.microsoft.com/office/2006/metadata/properties" xmlns:ns3="a3014d1d-f2cc-4095-a524-fddffbc006f1" xmlns:ns4="ff6ad67d-1b1d-4c73-9dd4-98a4fbcad5a6" targetNamespace="http://schemas.microsoft.com/office/2006/metadata/properties" ma:root="true" ma:fieldsID="6ce6fbd86bcd44befd99bda8c56c7cb1" ns3:_="" ns4:_="">
     <xsd:import namespace="a3014d1d-f2cc-4095-a524-fddffbc006f1"/>
@@ -8151,24 +8116,32 @@
 </ct:contentTypeSchema>
 </file>
 
-<file path=customXml/item2.xml><?xml version="1.0" encoding="utf-8"?>
-<?mso-contentType ?>
-<FormTemplates xmlns="http://schemas.microsoft.com/sharepoint/v3/contenttype/forms">
-  <Display>DocumentLibraryForm</Display>
-  <Edit>DocumentLibraryForm</Edit>
-  <New>DocumentLibraryForm</New>
-</FormTemplates>
+<file path=customXml/itemProps1.xml><?xml version="1.0" encoding="utf-8"?>
+<ds:datastoreItem xmlns:ds="http://schemas.openxmlformats.org/officeDocument/2006/customXml" ds:itemID="{0F738E70-B1B1-4A3C-BB3D-3799789DDC9A}">
+  <ds:schemaRefs>
+    <ds:schemaRef ds:uri="a3014d1d-f2cc-4095-a524-fddffbc006f1"/>
+    <ds:schemaRef ds:uri="ff6ad67d-1b1d-4c73-9dd4-98a4fbcad5a6"/>
+    <ds:schemaRef ds:uri="http://purl.org/dc/dcmitype/"/>
+    <ds:schemaRef ds:uri="http://purl.org/dc/elements/1.1/"/>
+    <ds:schemaRef ds:uri="http://purl.org/dc/terms/"/>
+    <ds:schemaRef ds:uri="http://schemas.microsoft.com/office/2006/documentManagement/types"/>
+    <ds:schemaRef ds:uri="http://schemas.microsoft.com/office/2006/metadata/properties"/>
+    <ds:schemaRef ds:uri="http://schemas.microsoft.com/office/infopath/2007/PartnerControls"/>
+    <ds:schemaRef ds:uri="http://schemas.openxmlformats.org/package/2006/metadata/core-properties"/>
+    <ds:schemaRef ds:uri="http://www.w3.org/XML/1998/namespace"/>
+  </ds:schemaRefs>
+</ds:datastoreItem>
 </file>
 
-<file path=customXml/item3.xml><?xml version="1.0" encoding="utf-8"?>
-<p:properties xmlns:p="http://schemas.microsoft.com/office/2006/metadata/properties" xmlns:xsi="http://www.w3.org/2001/XMLSchema-instance" xmlns:pc="http://schemas.microsoft.com/office/infopath/2007/PartnerControls">
-  <documentManagement>
-    <_activity xmlns="ff6ad67d-1b1d-4c73-9dd4-98a4fbcad5a6" xsi:nil="true"/>
-  </documentManagement>
-</p:properties>
+<file path=customXml/itemProps2.xml><?xml version="1.0" encoding="utf-8"?>
+<ds:datastoreItem xmlns:ds="http://schemas.openxmlformats.org/officeDocument/2006/customXml" ds:itemID="{5BC455D9-37CD-46E7-8021-8644E5D67886}">
+  <ds:schemaRefs>
+    <ds:schemaRef ds:uri="http://schemas.microsoft.com/sharepoint/v3/contenttype/forms"/>
+  </ds:schemaRefs>
+</ds:datastoreItem>
 </file>
 
-<file path=customXml/itemProps1.xml><?xml version="1.0" encoding="utf-8"?>
+<file path=customXml/itemProps3.xml><?xml version="1.0" encoding="utf-8"?>
 <ds:datastoreItem xmlns:ds="http://schemas.openxmlformats.org/officeDocument/2006/customXml" ds:itemID="{BDF6B089-4EFF-41B7-9EC4-20E73BF0D62B}">
   <ds:schemaRefs>
     <ds:schemaRef ds:uri="a3014d1d-f2cc-4095-a524-fddffbc006f1"/>
@@ -8185,29 +8158,4 @@
     <ds:schemaRef ds:uri="http://www.w3.org/2001/XMLSchema"/>
   </ds:schemaRefs>
 </ds:datastoreItem>
-</file>
-
-<file path=customXml/itemProps2.xml><?xml version="1.0" encoding="utf-8"?>
-<ds:datastoreItem xmlns:ds="http://schemas.openxmlformats.org/officeDocument/2006/customXml" ds:itemID="{5BC455D9-37CD-46E7-8021-8644E5D67886}">
-  <ds:schemaRefs>
-    <ds:schemaRef ds:uri="http://schemas.microsoft.com/sharepoint/v3/contenttype/forms"/>
-  </ds:schemaRefs>
-</ds:datastoreItem>
-</file>
-
-<file path=customXml/itemProps3.xml><?xml version="1.0" encoding="utf-8"?>
-<ds:datastoreItem xmlns:ds="http://schemas.openxmlformats.org/officeDocument/2006/customXml" ds:itemID="{0F738E70-B1B1-4A3C-BB3D-3799789DDC9A}">
-  <ds:schemaRefs>
-    <ds:schemaRef ds:uri="a3014d1d-f2cc-4095-a524-fddffbc006f1"/>
-    <ds:schemaRef ds:uri="ff6ad67d-1b1d-4c73-9dd4-98a4fbcad5a6"/>
-    <ds:schemaRef ds:uri="http://purl.org/dc/dcmitype/"/>
-    <ds:schemaRef ds:uri="http://purl.org/dc/elements/1.1/"/>
-    <ds:schemaRef ds:uri="http://purl.org/dc/terms/"/>
-    <ds:schemaRef ds:uri="http://schemas.microsoft.com/office/2006/documentManagement/types"/>
-    <ds:schemaRef ds:uri="http://schemas.microsoft.com/office/2006/metadata/properties"/>
-    <ds:schemaRef ds:uri="http://schemas.microsoft.com/office/infopath/2007/PartnerControls"/>
-    <ds:schemaRef ds:uri="http://schemas.openxmlformats.org/package/2006/metadata/core-properties"/>
-    <ds:schemaRef ds:uri="http://www.w3.org/XML/1998/namespace"/>
-  </ds:schemaRefs>
-</ds:datastoreItem>
 </file>
--- a/Documentações Eliney/AF/Template para Pôster 2 ConnectEvent - Startup one.pptx
+++ b/Documentações Eliney/AF/Template para Pôster 2 ConnectEvent - Startup one.pptx
@@ -1606,7 +1606,7 @@
         <p:spPr>
           <a:xfrm>
             <a:off x="11306053" y="10494129"/>
-            <a:ext cx="2686883" cy="1200329"/>
+            <a:ext cx="2686883" cy="1107996"/>
           </a:xfrm>
           <a:prstGeom prst="rect">
             <a:avLst/>
@@ -1621,14 +1621,14 @@
           <a:p>
             <a:pPr algn="r"/>
             <a:r>
-              <a:rPr lang="pt-BR" sz="2400" b="1" dirty="0">
+              <a:rPr lang="pt-BR" sz="2200" b="1" dirty="0">
                 <a:latin typeface="Arial" panose="020B0604020202020204" pitchFamily="34" charset="0"/>
                 <a:cs typeface="Arial" panose="020B0604020202020204" pitchFamily="34" charset="0"/>
               </a:rPr>
               <a:t>Figura 2</a:t>
             </a:r>
             <a:r>
-              <a:rPr lang="pt-BR" sz="2400" dirty="0">
+              <a:rPr lang="pt-BR" sz="2200" dirty="0">
                 <a:latin typeface="Arial" panose="020B0604020202020204" pitchFamily="34" charset="0"/>
                 <a:cs typeface="Arial" panose="020B0604020202020204" pitchFamily="34" charset="0"/>
               </a:rPr>
@@ -1935,8 +1935,8 @@
         </p:nvSpPr>
         <p:spPr>
           <a:xfrm>
-            <a:off x="355065" y="3673170"/>
-            <a:ext cx="20629367" cy="1323439"/>
+            <a:off x="495381" y="3703906"/>
+            <a:ext cx="20455647" cy="1323439"/>
           </a:xfrm>
           <a:prstGeom prst="rect">
             <a:avLst/>
@@ -1951,15 +1951,23 @@
           <a:p>
             <a:pPr lvl="0" algn="ctr"/>
             <a:r>
-              <a:rPr lang="pt-BR" sz="4000" b="1" dirty="0">
+              <a:rPr lang="pt-BR" sz="4000" b="1" i="0" u="none" strike="noStrike" dirty="0">
                 <a:solidFill>
-                  <a:schemeClr val="tx1"/>
+                  <a:srgbClr val="000000"/>
                 </a:solidFill>
+                <a:effectLst/>
                 <a:latin typeface="Arial" panose="020B0604020202020204" pitchFamily="34" charset="0"/>
                 <a:cs typeface="Arial" panose="020B0604020202020204" pitchFamily="34" charset="0"/>
               </a:rPr>
-              <a:t>PLATAFORMA DIGITAL E EFICIENTE PARA CENTRALIZAR E CONECTAR EVENTOS COM O PÚBLICO-ALVO</a:t>
+              <a:t>PLATAFORMA DIGITAL DE CENTRALIZAÇÃO E CONEXÃO DE PESSOAS A EVENTOS</a:t>
             </a:r>
+            <a:endParaRPr lang="pt-BR" sz="4000" b="1" dirty="0">
+              <a:solidFill>
+                <a:schemeClr val="tx1"/>
+              </a:solidFill>
+              <a:latin typeface="Arial" panose="020B0604020202020204" pitchFamily="34" charset="0"/>
+              <a:cs typeface="Arial" panose="020B0604020202020204" pitchFamily="34" charset="0"/>
+            </a:endParaRPr>
           </a:p>
         </p:txBody>
       </p:sp>
@@ -2065,8 +2073,8 @@
         </p:nvSpPr>
         <p:spPr>
           <a:xfrm>
-            <a:off x="927551" y="28325455"/>
-            <a:ext cx="7098850" cy="461665"/>
+            <a:off x="927550" y="28504682"/>
+            <a:ext cx="9319903" cy="430887"/>
           </a:xfrm>
           <a:prstGeom prst="rect">
             <a:avLst/>
@@ -2081,14 +2089,14 @@
           <a:p>
             <a:pPr algn="ctr"/>
             <a:r>
-              <a:rPr lang="pt-BR" sz="2400" b="1" dirty="0">
+              <a:rPr lang="pt-BR" sz="2200" b="1" dirty="0">
                 <a:latin typeface="Arial" panose="020B0604020202020204" pitchFamily="34" charset="0"/>
                 <a:cs typeface="Arial" panose="020B0604020202020204" pitchFamily="34" charset="0"/>
               </a:rPr>
               <a:t>Tabela 1</a:t>
             </a:r>
             <a:r>
-              <a:rPr lang="pt-BR" sz="2400" dirty="0">
+              <a:rPr lang="pt-BR" sz="2200" dirty="0">
                 <a:latin typeface="Arial" panose="020B0604020202020204" pitchFamily="34" charset="0"/>
                 <a:cs typeface="Arial" panose="020B0604020202020204" pitchFamily="34" charset="0"/>
               </a:rPr>
@@ -2112,7 +2120,7 @@
         <p:spPr>
           <a:xfrm>
             <a:off x="604035" y="17231116"/>
-            <a:ext cx="9825986" cy="461665"/>
+            <a:ext cx="9825986" cy="430887"/>
           </a:xfrm>
           <a:prstGeom prst="rect">
             <a:avLst/>
@@ -2127,14 +2135,14 @@
           <a:p>
             <a:pPr algn="ctr"/>
             <a:r>
-              <a:rPr lang="pt-BR" sz="2400" b="1" dirty="0">
+              <a:rPr lang="pt-BR" sz="2200" b="1" dirty="0">
                 <a:latin typeface="Arial" panose="020B0604020202020204" pitchFamily="34" charset="0"/>
                 <a:cs typeface="Arial" panose="020B0604020202020204" pitchFamily="34" charset="0"/>
               </a:rPr>
               <a:t>Figura 1</a:t>
             </a:r>
             <a:r>
-              <a:rPr lang="pt-BR" sz="2400" dirty="0">
+              <a:rPr lang="pt-BR" sz="2200" dirty="0">
                 <a:latin typeface="Arial" panose="020B0604020202020204" pitchFamily="34" charset="0"/>
                 <a:cs typeface="Arial" panose="020B0604020202020204" pitchFamily="34" charset="0"/>
               </a:rPr>
@@ -2206,7 +2214,7 @@
         </p:nvSpPr>
         <p:spPr>
           <a:xfrm>
-            <a:off x="525706" y="17607509"/>
+            <a:off x="525706" y="17564189"/>
             <a:ext cx="9904314" cy="400110"/>
           </a:xfrm>
           <a:prstGeom prst="rect">
@@ -2248,7 +2256,7 @@
         </p:nvSpPr>
         <p:spPr>
           <a:xfrm>
-            <a:off x="11523163" y="11665152"/>
+            <a:off x="11592279" y="11530742"/>
             <a:ext cx="2400657" cy="707886"/>
           </a:xfrm>
           <a:prstGeom prst="rect">
@@ -2438,7 +2446,7 @@
           <p:nvPr>
             <p:extLst>
               <p:ext uri="{D42A27DB-BD31-4B8C-83A1-F6EECF244321}">
-                <p14:modId xmlns:p14="http://schemas.microsoft.com/office/powerpoint/2010/main" val="3911774672"/>
+                <p14:modId xmlns:p14="http://schemas.microsoft.com/office/powerpoint/2010/main" val="2655490025"/>
               </p:ext>
             </p:extLst>
           </p:nvPr>
@@ -2507,7 +2515,7 @@
                       <a:r>
                         <a:rPr lang="pt-BR" sz="1400" dirty="0">
                           <a:solidFill>
-                            <a:schemeClr val="bg1"/>
+                            <a:schemeClr val="tx1"/>
                           </a:solidFill>
                         </a:rPr>
                         <a:t>Categoria</a:t>
@@ -2516,9 +2524,7 @@
                   </a:txBody>
                   <a:tcPr anchor="ctr">
                     <a:lnL w="12700" cap="flat" cmpd="sng" algn="ctr">
-                      <a:solidFill>
-                        <a:schemeClr val="tx1"/>
-                      </a:solidFill>
+                      <a:noFill/>
                       <a:prstDash val="solid"/>
                       <a:round/>
                       <a:headEnd type="none" w="med" len="med"/>
@@ -2541,7 +2547,9 @@
                       <a:tailEnd type="none" w="med" len="med"/>
                     </a:lnT>
                     <a:lnB w="12700" cap="flat" cmpd="sng" algn="ctr">
-                      <a:noFill/>
+                      <a:solidFill>
+                        <a:schemeClr val="tx1"/>
+                      </a:solidFill>
                       <a:prstDash val="solid"/>
                       <a:round/>
                       <a:headEnd type="none" w="med" len="med"/>
@@ -2555,11 +2563,7 @@
                       <a:noFill/>
                       <a:prstDash val="solid"/>
                     </a:lnBlToTr>
-                    <a:solidFill>
-                      <a:schemeClr val="tx2">
-                        <a:lumMod val="50000"/>
-                      </a:schemeClr>
-                    </a:solidFill>
+                    <a:noFill/>
                   </a:tcPr>
                 </a:tc>
                 <a:tc>
@@ -2571,7 +2575,7 @@
                       <a:r>
                         <a:rPr lang="pt-BR" sz="1400" dirty="0">
                           <a:solidFill>
-                            <a:schemeClr val="bg1"/>
+                            <a:schemeClr val="tx1"/>
                           </a:solidFill>
                         </a:rPr>
                         <a:t>Descrição</a:t>
@@ -2603,7 +2607,9 @@
                       <a:tailEnd type="none" w="med" len="med"/>
                     </a:lnT>
                     <a:lnB w="12700" cap="flat" cmpd="sng" algn="ctr">
-                      <a:noFill/>
+                      <a:solidFill>
+                        <a:schemeClr val="tx1"/>
+                      </a:solidFill>
                       <a:prstDash val="solid"/>
                       <a:round/>
                       <a:headEnd type="none" w="med" len="med"/>
@@ -2617,11 +2623,7 @@
                       <a:noFill/>
                       <a:prstDash val="solid"/>
                     </a:lnBlToTr>
-                    <a:solidFill>
-                      <a:schemeClr val="tx2">
-                        <a:lumMod val="50000"/>
-                      </a:schemeClr>
-                    </a:solidFill>
+                    <a:noFill/>
                   </a:tcPr>
                 </a:tc>
                 <a:tc>
@@ -2633,7 +2635,7 @@
                       <a:r>
                         <a:rPr lang="pt-BR" sz="1400" dirty="0">
                           <a:solidFill>
-                            <a:schemeClr val="bg1"/>
+                            <a:schemeClr val="tx1"/>
                           </a:solidFill>
                         </a:rPr>
                         <a:t>Valor Mensal</a:t>
@@ -2665,7 +2667,9 @@
                       <a:tailEnd type="none" w="med" len="med"/>
                     </a:lnT>
                     <a:lnB w="12700" cap="flat" cmpd="sng" algn="ctr">
-                      <a:noFill/>
+                      <a:solidFill>
+                        <a:schemeClr val="tx1"/>
+                      </a:solidFill>
                       <a:prstDash val="solid"/>
                       <a:round/>
                       <a:headEnd type="none" w="med" len="med"/>
@@ -2679,11 +2683,7 @@
                       <a:noFill/>
                       <a:prstDash val="solid"/>
                     </a:lnBlToTr>
-                    <a:solidFill>
-                      <a:schemeClr val="tx2">
-                        <a:lumMod val="50000"/>
-                      </a:schemeClr>
-                    </a:solidFill>
+                    <a:noFill/>
                   </a:tcPr>
                 </a:tc>
                 <a:tc>
@@ -2695,7 +2695,7 @@
                       <a:r>
                         <a:rPr lang="pt-BR" sz="1400" dirty="0">
                           <a:solidFill>
-                            <a:schemeClr val="bg1"/>
+                            <a:schemeClr val="tx1"/>
                           </a:solidFill>
                         </a:rPr>
                         <a:t>Programadores</a:t>
@@ -2727,7 +2727,9 @@
                       <a:tailEnd type="none" w="med" len="med"/>
                     </a:lnT>
                     <a:lnB w="12700" cap="flat" cmpd="sng" algn="ctr">
-                      <a:noFill/>
+                      <a:solidFill>
+                        <a:schemeClr val="tx1"/>
+                      </a:solidFill>
                       <a:prstDash val="solid"/>
                       <a:round/>
                       <a:headEnd type="none" w="med" len="med"/>
@@ -2741,11 +2743,7 @@
                       <a:noFill/>
                       <a:prstDash val="solid"/>
                     </a:lnBlToTr>
-                    <a:solidFill>
-                      <a:schemeClr val="tx2">
-                        <a:lumMod val="50000"/>
-                      </a:schemeClr>
-                    </a:solidFill>
+                    <a:noFill/>
                   </a:tcPr>
                 </a:tc>
                 <a:tc>
@@ -2757,7 +2755,7 @@
                       <a:r>
                         <a:rPr lang="pt-BR" sz="1400" dirty="0">
                           <a:solidFill>
-                            <a:schemeClr val="bg1"/>
+                            <a:schemeClr val="tx1"/>
                           </a:solidFill>
                         </a:rPr>
                         <a:t>Meses</a:t>
@@ -2789,7 +2787,9 @@
                       <a:tailEnd type="none" w="med" len="med"/>
                     </a:lnT>
                     <a:lnB w="12700" cap="flat" cmpd="sng" algn="ctr">
-                      <a:noFill/>
+                      <a:solidFill>
+                        <a:schemeClr val="tx1"/>
+                      </a:solidFill>
                       <a:prstDash val="solid"/>
                       <a:round/>
                       <a:headEnd type="none" w="med" len="med"/>
@@ -2803,11 +2803,7 @@
                       <a:noFill/>
                       <a:prstDash val="solid"/>
                     </a:lnBlToTr>
-                    <a:solidFill>
-                      <a:schemeClr val="tx2">
-                        <a:lumMod val="50000"/>
-                      </a:schemeClr>
-                    </a:solidFill>
+                    <a:noFill/>
                   </a:tcPr>
                 </a:tc>
                 <a:tc>
@@ -2819,7 +2815,7 @@
                       <a:r>
                         <a:rPr lang="pt-BR" sz="1400" dirty="0">
                           <a:solidFill>
-                            <a:schemeClr val="bg1"/>
+                            <a:schemeClr val="tx1"/>
                           </a:solidFill>
                         </a:rPr>
                         <a:t>Total</a:t>
@@ -2835,9 +2831,7 @@
                       <a:tailEnd type="none" w="med" len="med"/>
                     </a:lnL>
                     <a:lnR w="12700" cap="flat" cmpd="sng" algn="ctr">
-                      <a:solidFill>
-                        <a:schemeClr val="tx1"/>
-                      </a:solidFill>
+                      <a:noFill/>
                       <a:prstDash val="solid"/>
                       <a:round/>
                       <a:headEnd type="none" w="med" len="med"/>
@@ -2853,7 +2847,9 @@
                       <a:tailEnd type="none" w="med" len="med"/>
                     </a:lnT>
                     <a:lnB w="12700" cap="flat" cmpd="sng" algn="ctr">
-                      <a:noFill/>
+                      <a:solidFill>
+                        <a:schemeClr val="tx1"/>
+                      </a:solidFill>
                       <a:prstDash val="solid"/>
                       <a:round/>
                       <a:headEnd type="none" w="med" len="med"/>
@@ -2867,11 +2863,7 @@
                       <a:noFill/>
                       <a:prstDash val="solid"/>
                     </a:lnBlToTr>
-                    <a:solidFill>
-                      <a:schemeClr val="tx2">
-                        <a:lumMod val="50000"/>
-                      </a:schemeClr>
-                    </a:solidFill>
+                    <a:noFill/>
                   </a:tcPr>
                 </a:tc>
                 <a:extLst>
@@ -2887,13 +2879,31 @@
                     <a:lstStyle/>
                     <a:p>
                       <a:r>
-                        <a:rPr lang="pt-BR" sz="1400" dirty="0"/>
+                        <a:rPr lang="pt-BR" sz="1400" dirty="0">
+                          <a:solidFill>
+                            <a:schemeClr val="tx1"/>
+                          </a:solidFill>
+                        </a:rPr>
                         <a:t>Desenvolvimento e Mão de Obra</a:t>
                       </a:r>
                     </a:p>
                   </a:txBody>
                   <a:tcPr anchor="ctr">
                     <a:lnL w="12700" cap="flat" cmpd="sng" algn="ctr">
+                      <a:noFill/>
+                      <a:prstDash val="solid"/>
+                      <a:round/>
+                      <a:headEnd type="none" w="med" len="med"/>
+                      <a:tailEnd type="none" w="med" len="med"/>
+                    </a:lnL>
+                    <a:lnR w="12700" cap="flat" cmpd="sng" algn="ctr">
+                      <a:noFill/>
+                      <a:prstDash val="solid"/>
+                      <a:round/>
+                      <a:headEnd type="none" w="med" len="med"/>
+                      <a:tailEnd type="none" w="med" len="med"/>
+                    </a:lnR>
+                    <a:lnT w="12700" cap="flat" cmpd="sng" algn="ctr">
                       <a:solidFill>
                         <a:schemeClr val="tx1"/>
                       </a:solidFill>
@@ -2901,20 +2911,6 @@
                       <a:round/>
                       <a:headEnd type="none" w="med" len="med"/>
                       <a:tailEnd type="none" w="med" len="med"/>
-                    </a:lnL>
-                    <a:lnR w="12700" cap="flat" cmpd="sng" algn="ctr">
-                      <a:noFill/>
-                      <a:prstDash val="solid"/>
-                      <a:round/>
-                      <a:headEnd type="none" w="med" len="med"/>
-                      <a:tailEnd type="none" w="med" len="med"/>
-                    </a:lnR>
-                    <a:lnT w="12700" cap="flat" cmpd="sng" algn="ctr">
-                      <a:noFill/>
-                      <a:prstDash val="solid"/>
-                      <a:round/>
-                      <a:headEnd type="none" w="med" len="med"/>
-                      <a:tailEnd type="none" w="med" len="med"/>
                     </a:lnT>
                     <a:lnB w="12700" cap="flat" cmpd="sng" algn="ctr">
                       <a:noFill/>
@@ -2931,6 +2927,7 @@
                       <a:noFill/>
                       <a:prstDash val="solid"/>
                     </a:lnBlToTr>
+                    <a:noFill/>
                   </a:tcPr>
                 </a:tc>
                 <a:tc>
@@ -2940,7 +2937,11 @@
                     <a:p>
                       <a:pPr algn="ctr"/>
                       <a:r>
-                        <a:rPr lang="pt-BR" sz="1400" dirty="0"/>
+                        <a:rPr lang="pt-BR" sz="1400" dirty="0">
+                          <a:solidFill>
+                            <a:schemeClr val="tx1"/>
+                          </a:solidFill>
+                        </a:rPr>
                         <a:t>Programador</a:t>
                       </a:r>
                     </a:p>
@@ -2961,7 +2962,9 @@
                       <a:tailEnd type="none" w="med" len="med"/>
                     </a:lnR>
                     <a:lnT w="12700" cap="flat" cmpd="sng" algn="ctr">
-                      <a:noFill/>
+                      <a:solidFill>
+                        <a:schemeClr val="tx1"/>
+                      </a:solidFill>
                       <a:prstDash val="solid"/>
                       <a:round/>
                       <a:headEnd type="none" w="med" len="med"/>
@@ -2982,6 +2985,7 @@
                       <a:noFill/>
                       <a:prstDash val="solid"/>
                     </a:lnBlToTr>
+                    <a:noFill/>
                   </a:tcPr>
                 </a:tc>
                 <a:tc>
@@ -2991,7 +2995,11 @@
                     <a:p>
                       <a:pPr algn="ctr"/>
                       <a:r>
-                        <a:rPr lang="pt-BR" sz="1400" dirty="0"/>
+                        <a:rPr lang="pt-BR" sz="1400" dirty="0">
+                          <a:solidFill>
+                            <a:schemeClr val="tx1"/>
+                          </a:solidFill>
+                        </a:rPr>
                         <a:t>4.000,00</a:t>
                       </a:r>
                     </a:p>
@@ -3012,7 +3020,9 @@
                       <a:tailEnd type="none" w="med" len="med"/>
                     </a:lnR>
                     <a:lnT w="12700" cap="flat" cmpd="sng" algn="ctr">
-                      <a:noFill/>
+                      <a:solidFill>
+                        <a:schemeClr val="tx1"/>
+                      </a:solidFill>
                       <a:prstDash val="solid"/>
                       <a:round/>
                       <a:headEnd type="none" w="med" len="med"/>
@@ -3033,6 +3043,7 @@
                       <a:noFill/>
                       <a:prstDash val="solid"/>
                     </a:lnBlToTr>
+                    <a:noFill/>
                   </a:tcPr>
                 </a:tc>
                 <a:tc>
@@ -3042,7 +3053,11 @@
                     <a:p>
                       <a:pPr algn="ctr"/>
                       <a:r>
-                        <a:rPr lang="pt-BR" sz="1400" dirty="0"/>
+                        <a:rPr lang="pt-BR" sz="1400" dirty="0">
+                          <a:solidFill>
+                            <a:schemeClr val="tx1"/>
+                          </a:solidFill>
+                        </a:rPr>
                         <a:t>3</a:t>
                       </a:r>
                     </a:p>
@@ -3063,7 +3078,9 @@
                       <a:tailEnd type="none" w="med" len="med"/>
                     </a:lnR>
                     <a:lnT w="12700" cap="flat" cmpd="sng" algn="ctr">
-                      <a:noFill/>
+                      <a:solidFill>
+                        <a:schemeClr val="tx1"/>
+                      </a:solidFill>
                       <a:prstDash val="solid"/>
                       <a:round/>
                       <a:headEnd type="none" w="med" len="med"/>
@@ -3084,6 +3101,7 @@
                       <a:noFill/>
                       <a:prstDash val="solid"/>
                     </a:lnBlToTr>
+                    <a:noFill/>
                   </a:tcPr>
                 </a:tc>
                 <a:tc>
@@ -3093,7 +3111,11 @@
                     <a:p>
                       <a:pPr algn="ctr"/>
                       <a:r>
-                        <a:rPr lang="pt-BR" sz="1400" dirty="0"/>
+                        <a:rPr lang="pt-BR" sz="1400" dirty="0">
+                          <a:solidFill>
+                            <a:schemeClr val="tx1"/>
+                          </a:solidFill>
+                        </a:rPr>
                         <a:t>6</a:t>
                       </a:r>
                     </a:p>
@@ -3114,7 +3136,9 @@
                       <a:tailEnd type="none" w="med" len="med"/>
                     </a:lnR>
                     <a:lnT w="12700" cap="flat" cmpd="sng" algn="ctr">
-                      <a:noFill/>
+                      <a:solidFill>
+                        <a:schemeClr val="tx1"/>
+                      </a:solidFill>
                       <a:prstDash val="solid"/>
                       <a:round/>
                       <a:headEnd type="none" w="med" len="med"/>
@@ -3135,6 +3159,7 @@
                       <a:noFill/>
                       <a:prstDash val="solid"/>
                     </a:lnBlToTr>
+                    <a:noFill/>
                   </a:tcPr>
                 </a:tc>
                 <a:tc>
@@ -3146,7 +3171,7 @@
                       <a:r>
                         <a:rPr lang="pt-BR" sz="1400" kern="1200" dirty="0">
                           <a:solidFill>
-                            <a:schemeClr val="dk1"/>
+                            <a:schemeClr val="tx1"/>
                           </a:solidFill>
                           <a:latin typeface="+mn-lt"/>
                           <a:ea typeface="+mn-ea"/>
@@ -3165,6 +3190,13 @@
                       <a:tailEnd type="none" w="med" len="med"/>
                     </a:lnL>
                     <a:lnR w="12700" cap="flat" cmpd="sng" algn="ctr">
+                      <a:noFill/>
+                      <a:prstDash val="solid"/>
+                      <a:round/>
+                      <a:headEnd type="none" w="med" len="med"/>
+                      <a:tailEnd type="none" w="med" len="med"/>
+                    </a:lnR>
+                    <a:lnT w="12700" cap="flat" cmpd="sng" algn="ctr">
                       <a:solidFill>
                         <a:schemeClr val="tx1"/>
                       </a:solidFill>
@@ -3172,13 +3204,6 @@
                       <a:round/>
                       <a:headEnd type="none" w="med" len="med"/>
                       <a:tailEnd type="none" w="med" len="med"/>
-                    </a:lnR>
-                    <a:lnT w="12700" cap="flat" cmpd="sng" algn="ctr">
-                      <a:noFill/>
-                      <a:prstDash val="solid"/>
-                      <a:round/>
-                      <a:headEnd type="none" w="med" len="med"/>
-                      <a:tailEnd type="none" w="med" len="med"/>
                     </a:lnT>
                     <a:lnB w="12700" cap="flat" cmpd="sng" algn="ctr">
                       <a:noFill/>
@@ -3195,6 +3220,7 @@
                       <a:noFill/>
                       <a:prstDash val="solid"/>
                     </a:lnBlToTr>
+                    <a:noFill/>
                   </a:tcPr>
                 </a:tc>
                 <a:extLst>
@@ -3209,14 +3235,16 @@
                     <a:bodyPr/>
                     <a:lstStyle/>
                     <a:p>
-                      <a:endParaRPr lang="pt-BR" sz="1400" dirty="0"/>
+                      <a:endParaRPr lang="pt-BR" sz="1400" dirty="0">
+                        <a:solidFill>
+                          <a:schemeClr val="tx1"/>
+                        </a:solidFill>
+                      </a:endParaRPr>
                     </a:p>
                   </a:txBody>
                   <a:tcPr anchor="ctr">
                     <a:lnL w="12700" cap="flat" cmpd="sng" algn="ctr">
-                      <a:solidFill>
-                        <a:schemeClr val="tx1"/>
-                      </a:solidFill>
+                      <a:noFill/>
                       <a:prstDash val="solid"/>
                       <a:round/>
                       <a:headEnd type="none" w="med" len="med"/>
@@ -3251,6 +3279,7 @@
                       <a:noFill/>
                       <a:prstDash val="solid"/>
                     </a:lnBlToTr>
+                    <a:noFill/>
                   </a:tcPr>
                 </a:tc>
                 <a:tc>
@@ -3260,7 +3289,11 @@
                     <a:p>
                       <a:pPr algn="ctr"/>
                       <a:r>
-                        <a:rPr lang="pt-BR" sz="1400" dirty="0"/>
+                        <a:rPr lang="pt-BR" sz="1400" dirty="0">
+                          <a:solidFill>
+                            <a:schemeClr val="tx1"/>
+                          </a:solidFill>
+                        </a:rPr>
                         <a:t>Manutenção contínua</a:t>
                       </a:r>
                     </a:p>
@@ -3302,6 +3335,7 @@
                       <a:noFill/>
                       <a:prstDash val="solid"/>
                     </a:lnBlToTr>
+                    <a:noFill/>
                   </a:tcPr>
                 </a:tc>
                 <a:tc>
@@ -3311,7 +3345,11 @@
                     <a:p>
                       <a:pPr algn="ctr"/>
                       <a:r>
-                        <a:rPr lang="pt-BR" sz="1400" dirty="0"/>
+                        <a:rPr lang="pt-BR" sz="1400" dirty="0">
+                          <a:solidFill>
+                            <a:schemeClr val="tx1"/>
+                          </a:solidFill>
+                        </a:rPr>
                         <a:t>2.000,00</a:t>
                       </a:r>
                     </a:p>
@@ -3353,6 +3391,7 @@
                       <a:noFill/>
                       <a:prstDash val="solid"/>
                     </a:lnBlToTr>
+                    <a:noFill/>
                   </a:tcPr>
                 </a:tc>
                 <a:tc>
@@ -3362,7 +3401,11 @@
                     <a:p>
                       <a:pPr algn="ctr"/>
                       <a:r>
-                        <a:rPr lang="pt-BR" sz="1400" dirty="0"/>
+                        <a:rPr lang="pt-BR" sz="1400" dirty="0">
+                          <a:solidFill>
+                            <a:schemeClr val="tx1"/>
+                          </a:solidFill>
+                        </a:rPr>
                         <a:t>-</a:t>
                       </a:r>
                     </a:p>
@@ -3404,6 +3447,7 @@
                       <a:noFill/>
                       <a:prstDash val="solid"/>
                     </a:lnBlToTr>
+                    <a:noFill/>
                   </a:tcPr>
                 </a:tc>
                 <a:tc>
@@ -3413,7 +3457,11 @@
                     <a:p>
                       <a:pPr algn="ctr"/>
                       <a:r>
-                        <a:rPr lang="pt-BR" sz="1400" dirty="0"/>
+                        <a:rPr lang="pt-BR" sz="1400" dirty="0">
+                          <a:solidFill>
+                            <a:schemeClr val="tx1"/>
+                          </a:solidFill>
+                        </a:rPr>
                         <a:t>12</a:t>
                       </a:r>
                     </a:p>
@@ -3455,6 +3503,7 @@
                       <a:noFill/>
                       <a:prstDash val="solid"/>
                     </a:lnBlToTr>
+                    <a:noFill/>
                   </a:tcPr>
                 </a:tc>
                 <a:tc>
@@ -3466,7 +3515,7 @@
                       <a:r>
                         <a:rPr lang="pt-BR" sz="1400" kern="1200" dirty="0">
                           <a:solidFill>
-                            <a:schemeClr val="dk1"/>
+                            <a:schemeClr val="tx1"/>
                           </a:solidFill>
                           <a:latin typeface="+mn-lt"/>
                           <a:ea typeface="+mn-ea"/>
@@ -3485,9 +3534,7 @@
                       <a:tailEnd type="none" w="med" len="med"/>
                     </a:lnL>
                     <a:lnR w="12700" cap="flat" cmpd="sng" algn="ctr">
-                      <a:solidFill>
-                        <a:schemeClr val="tx1"/>
-                      </a:solidFill>
+                      <a:noFill/>
                       <a:prstDash val="solid"/>
                       <a:round/>
                       <a:headEnd type="none" w="med" len="med"/>
@@ -3515,6 +3562,7 @@
                       <a:noFill/>
                       <a:prstDash val="solid"/>
                     </a:lnBlToTr>
+                    <a:noFill/>
                   </a:tcPr>
                 </a:tc>
                 <a:extLst>
@@ -3529,14 +3577,16 @@
                     <a:bodyPr/>
                     <a:lstStyle/>
                     <a:p>
-                      <a:endParaRPr lang="pt-BR" sz="1400" dirty="0"/>
+                      <a:endParaRPr lang="pt-BR" sz="1400" dirty="0">
+                        <a:solidFill>
+                          <a:schemeClr val="tx1"/>
+                        </a:solidFill>
+                      </a:endParaRPr>
                     </a:p>
                   </a:txBody>
                   <a:tcPr anchor="ctr">
                     <a:lnL w="12700" cap="flat" cmpd="sng" algn="ctr">
-                      <a:solidFill>
-                        <a:schemeClr val="tx1"/>
-                      </a:solidFill>
+                      <a:noFill/>
                       <a:prstDash val="solid"/>
                       <a:round/>
                       <a:headEnd type="none" w="med" len="med"/>
@@ -3557,9 +3607,7 @@
                       <a:tailEnd type="none" w="med" len="med"/>
                     </a:lnT>
                     <a:lnB w="12700" cap="flat" cmpd="sng" algn="ctr">
-                      <a:solidFill>
-                        <a:schemeClr val="tx1"/>
-                      </a:solidFill>
+                      <a:noFill/>
                       <a:prstDash val="solid"/>
                       <a:round/>
                       <a:headEnd type="none" w="med" len="med"/>
@@ -3573,6 +3621,7 @@
                       <a:noFill/>
                       <a:prstDash val="solid"/>
                     </a:lnBlToTr>
+                    <a:noFill/>
                   </a:tcPr>
                 </a:tc>
                 <a:tc>
@@ -3582,7 +3631,11 @@
                     <a:p>
                       <a:pPr algn="ctr"/>
                       <a:r>
-                        <a:rPr lang="pt-BR" sz="1400" dirty="0"/>
+                        <a:rPr lang="pt-BR" sz="1400" dirty="0">
+                          <a:solidFill>
+                            <a:schemeClr val="tx1"/>
+                          </a:solidFill>
+                        </a:rPr>
                         <a:t>Suporte ao cliente</a:t>
                       </a:r>
                     </a:p>
@@ -3610,9 +3663,7 @@
                       <a:tailEnd type="none" w="med" len="med"/>
                     </a:lnT>
                     <a:lnB w="12700" cap="flat" cmpd="sng" algn="ctr">
-                      <a:solidFill>
-                        <a:schemeClr val="tx1"/>
-                      </a:solidFill>
+                      <a:noFill/>
                       <a:prstDash val="solid"/>
                       <a:round/>
                       <a:headEnd type="none" w="med" len="med"/>
@@ -3626,6 +3677,7 @@
                       <a:noFill/>
                       <a:prstDash val="solid"/>
                     </a:lnBlToTr>
+                    <a:noFill/>
                   </a:tcPr>
                 </a:tc>
                 <a:tc>
@@ -3635,7 +3687,11 @@
                     <a:p>
                       <a:pPr algn="ctr"/>
                       <a:r>
-                        <a:rPr lang="pt-BR" sz="1400" dirty="0"/>
+                        <a:rPr lang="pt-BR" sz="1400" dirty="0">
+                          <a:solidFill>
+                            <a:schemeClr val="tx1"/>
+                          </a:solidFill>
+                        </a:rPr>
                         <a:t>1.000,00</a:t>
                       </a:r>
                     </a:p>
@@ -3663,9 +3719,7 @@
                       <a:tailEnd type="none" w="med" len="med"/>
                     </a:lnT>
                     <a:lnB w="12700" cap="flat" cmpd="sng" algn="ctr">
-                      <a:solidFill>
-                        <a:schemeClr val="tx1"/>
-                      </a:solidFill>
+                      <a:noFill/>
                       <a:prstDash val="solid"/>
                       <a:round/>
                       <a:headEnd type="none" w="med" len="med"/>
@@ -3679,6 +3733,7 @@
                       <a:noFill/>
                       <a:prstDash val="solid"/>
                     </a:lnBlToTr>
+                    <a:noFill/>
                   </a:tcPr>
                 </a:tc>
                 <a:tc>
@@ -3688,7 +3743,11 @@
                     <a:p>
                       <a:pPr algn="ctr"/>
                       <a:r>
-                        <a:rPr lang="pt-BR" sz="1400" dirty="0"/>
+                        <a:rPr lang="pt-BR" sz="1400" dirty="0">
+                          <a:solidFill>
+                            <a:schemeClr val="tx1"/>
+                          </a:solidFill>
+                        </a:rPr>
                         <a:t>-</a:t>
                       </a:r>
                     </a:p>
@@ -3716,9 +3775,7 @@
                       <a:tailEnd type="none" w="med" len="med"/>
                     </a:lnT>
                     <a:lnB w="12700" cap="flat" cmpd="sng" algn="ctr">
-                      <a:solidFill>
-                        <a:schemeClr val="tx1"/>
-                      </a:solidFill>
+                      <a:noFill/>
                       <a:prstDash val="solid"/>
                       <a:round/>
                       <a:headEnd type="none" w="med" len="med"/>
@@ -3732,6 +3789,7 @@
                       <a:noFill/>
                       <a:prstDash val="solid"/>
                     </a:lnBlToTr>
+                    <a:noFill/>
                   </a:tcPr>
                 </a:tc>
                 <a:tc>
@@ -3741,7 +3799,11 @@
                     <a:p>
                       <a:pPr algn="ctr"/>
                       <a:r>
-                        <a:rPr lang="pt-BR" sz="1400" dirty="0"/>
+                        <a:rPr lang="pt-BR" sz="1400" dirty="0">
+                          <a:solidFill>
+                            <a:schemeClr val="tx1"/>
+                          </a:solidFill>
+                        </a:rPr>
                         <a:t>12</a:t>
                       </a:r>
                     </a:p>
@@ -3769,9 +3831,7 @@
                       <a:tailEnd type="none" w="med" len="med"/>
                     </a:lnT>
                     <a:lnB w="12700" cap="flat" cmpd="sng" algn="ctr">
-                      <a:solidFill>
-                        <a:schemeClr val="tx1"/>
-                      </a:solidFill>
+                      <a:noFill/>
                       <a:prstDash val="solid"/>
                       <a:round/>
                       <a:headEnd type="none" w="med" len="med"/>
@@ -3785,6 +3845,7 @@
                       <a:noFill/>
                       <a:prstDash val="solid"/>
                     </a:lnBlToTr>
+                    <a:noFill/>
                   </a:tcPr>
                 </a:tc>
                 <a:tc>
@@ -3796,7 +3857,7 @@
                       <a:r>
                         <a:rPr lang="pt-BR" sz="1400" kern="1200" dirty="0">
                           <a:solidFill>
-                            <a:schemeClr val="dk1"/>
+                            <a:schemeClr val="tx1"/>
                           </a:solidFill>
                           <a:latin typeface="+mn-lt"/>
                           <a:ea typeface="+mn-ea"/>
@@ -3815,9 +3876,7 @@
                       <a:tailEnd type="none" w="med" len="med"/>
                     </a:lnL>
                     <a:lnR w="12700" cap="flat" cmpd="sng" algn="ctr">
-                      <a:solidFill>
-                        <a:schemeClr val="tx1"/>
-                      </a:solidFill>
+                      <a:noFill/>
                       <a:prstDash val="solid"/>
                       <a:round/>
                       <a:headEnd type="none" w="med" len="med"/>
@@ -3831,9 +3890,7 @@
                       <a:tailEnd type="none" w="med" len="med"/>
                     </a:lnT>
                     <a:lnB w="12700" cap="flat" cmpd="sng" algn="ctr">
-                      <a:solidFill>
-                        <a:schemeClr val="tx1"/>
-                      </a:solidFill>
+                      <a:noFill/>
                       <a:prstDash val="solid"/>
                       <a:round/>
                       <a:headEnd type="none" w="med" len="med"/>
@@ -3847,6 +3904,7 @@
                       <a:noFill/>
                       <a:prstDash val="solid"/>
                     </a:lnBlToTr>
+                    <a:noFill/>
                   </a:tcPr>
                 </a:tc>
                 <a:extLst>
@@ -3862,16 +3920,18 @@
                     <a:lstStyle/>
                     <a:p>
                       <a:r>
-                        <a:rPr lang="pt-BR" sz="1400" dirty="0"/>
+                        <a:rPr lang="pt-BR" sz="1400" dirty="0">
+                          <a:solidFill>
+                            <a:schemeClr val="tx1"/>
+                          </a:solidFill>
+                        </a:rPr>
                         <a:t>Infraestrutura na Nuvem</a:t>
                       </a:r>
                     </a:p>
                   </a:txBody>
                   <a:tcPr anchor="ctr">
                     <a:lnL w="12700" cap="flat" cmpd="sng" algn="ctr">
-                      <a:solidFill>
-                        <a:schemeClr val="tx1"/>
-                      </a:solidFill>
+                      <a:noFill/>
                       <a:prstDash val="solid"/>
                       <a:round/>
                       <a:headEnd type="none" w="med" len="med"/>
@@ -3885,9 +3945,7 @@
                       <a:tailEnd type="none" w="med" len="med"/>
                     </a:lnR>
                     <a:lnT w="12700" cap="flat" cmpd="sng" algn="ctr">
-                      <a:solidFill>
-                        <a:schemeClr val="tx1"/>
-                      </a:solidFill>
+                      <a:noFill/>
                       <a:prstDash val="solid"/>
                       <a:round/>
                       <a:headEnd type="none" w="med" len="med"/>
@@ -3908,6 +3966,7 @@
                       <a:noFill/>
                       <a:prstDash val="solid"/>
                     </a:lnBlToTr>
+                    <a:noFill/>
                   </a:tcPr>
                 </a:tc>
                 <a:tc>
@@ -3917,7 +3976,11 @@
                     <a:p>
                       <a:pPr algn="ctr"/>
                       <a:r>
-                        <a:rPr lang="pt-BR" sz="1400" dirty="0"/>
+                        <a:rPr lang="pt-BR" sz="1400" dirty="0">
+                          <a:solidFill>
+                            <a:schemeClr val="tx1"/>
+                          </a:solidFill>
+                        </a:rPr>
                         <a:t>AWS EC2</a:t>
                       </a:r>
                     </a:p>
@@ -3938,9 +4001,7 @@
                       <a:tailEnd type="none" w="med" len="med"/>
                     </a:lnR>
                     <a:lnT w="12700" cap="flat" cmpd="sng" algn="ctr">
-                      <a:solidFill>
-                        <a:schemeClr val="tx1"/>
-                      </a:solidFill>
+                      <a:noFill/>
                       <a:prstDash val="solid"/>
                       <a:round/>
                       <a:headEnd type="none" w="med" len="med"/>
@@ -3961,6 +4022,7 @@
                       <a:noFill/>
                       <a:prstDash val="solid"/>
                     </a:lnBlToTr>
+                    <a:noFill/>
                   </a:tcPr>
                 </a:tc>
                 <a:tc>
@@ -3986,7 +4048,11 @@
                         <a:defRPr/>
                       </a:pPr>
                       <a:r>
-                        <a:rPr lang="pt-BR" sz="1400" dirty="0"/>
+                        <a:rPr lang="pt-BR" sz="1400" dirty="0">
+                          <a:solidFill>
+                            <a:schemeClr val="tx1"/>
+                          </a:solidFill>
+                        </a:rPr>
                         <a:t>1.500,00</a:t>
                       </a:r>
                     </a:p>
@@ -4007,9 +4073,7 @@
                       <a:tailEnd type="none" w="med" len="med"/>
                     </a:lnR>
                     <a:lnT w="12700" cap="flat" cmpd="sng" algn="ctr">
-                      <a:solidFill>
-                        <a:schemeClr val="tx1"/>
-                      </a:solidFill>
+                      <a:noFill/>
                       <a:prstDash val="solid"/>
                       <a:round/>
                       <a:headEnd type="none" w="med" len="med"/>
@@ -4030,6 +4094,7 @@
                       <a:noFill/>
                       <a:prstDash val="solid"/>
                     </a:lnBlToTr>
+                    <a:noFill/>
                   </a:tcPr>
                 </a:tc>
                 <a:tc>
@@ -4039,7 +4104,11 @@
                     <a:p>
                       <a:pPr algn="ctr"/>
                       <a:r>
-                        <a:rPr lang="pt-BR" sz="1400" dirty="0"/>
+                        <a:rPr lang="pt-BR" sz="1400" dirty="0">
+                          <a:solidFill>
+                            <a:schemeClr val="tx1"/>
+                          </a:solidFill>
+                        </a:rPr>
                         <a:t>-</a:t>
                       </a:r>
                     </a:p>
@@ -4060,9 +4129,7 @@
                       <a:tailEnd type="none" w="med" len="med"/>
                     </a:lnR>
                     <a:lnT w="12700" cap="flat" cmpd="sng" algn="ctr">
-                      <a:solidFill>
-                        <a:schemeClr val="tx1"/>
-                      </a:solidFill>
+                      <a:noFill/>
                       <a:prstDash val="solid"/>
                       <a:round/>
                       <a:headEnd type="none" w="med" len="med"/>
@@ -4083,6 +4150,7 @@
                       <a:noFill/>
                       <a:prstDash val="solid"/>
                     </a:lnBlToTr>
+                    <a:noFill/>
                   </a:tcPr>
                 </a:tc>
                 <a:tc>
@@ -4092,7 +4160,11 @@
                     <a:p>
                       <a:pPr algn="ctr"/>
                       <a:r>
-                        <a:rPr lang="pt-BR" sz="1400" dirty="0"/>
+                        <a:rPr lang="pt-BR" sz="1400" dirty="0">
+                          <a:solidFill>
+                            <a:schemeClr val="tx1"/>
+                          </a:solidFill>
+                        </a:rPr>
                         <a:t>12</a:t>
                       </a:r>
                     </a:p>
@@ -4113,9 +4185,7 @@
                       <a:tailEnd type="none" w="med" len="med"/>
                     </a:lnR>
                     <a:lnT w="12700" cap="flat" cmpd="sng" algn="ctr">
-                      <a:solidFill>
-                        <a:schemeClr val="tx1"/>
-                      </a:solidFill>
+                      <a:noFill/>
                       <a:prstDash val="solid"/>
                       <a:round/>
                       <a:headEnd type="none" w="med" len="med"/>
@@ -4136,6 +4206,7 @@
                       <a:noFill/>
                       <a:prstDash val="solid"/>
                     </a:lnBlToTr>
+                    <a:noFill/>
                   </a:tcPr>
                 </a:tc>
                 <a:tc>
@@ -4147,7 +4218,7 @@
                       <a:r>
                         <a:rPr lang="pt-BR" sz="1400" kern="1200" dirty="0">
                           <a:solidFill>
-                            <a:schemeClr val="dk1"/>
+                            <a:schemeClr val="tx1"/>
                           </a:solidFill>
                           <a:latin typeface="+mn-lt"/>
                           <a:ea typeface="+mn-ea"/>
@@ -4166,18 +4237,14 @@
                       <a:tailEnd type="none" w="med" len="med"/>
                     </a:lnL>
                     <a:lnR w="12700" cap="flat" cmpd="sng" algn="ctr">
-                      <a:solidFill>
-                        <a:schemeClr val="tx1"/>
-                      </a:solidFill>
+                      <a:noFill/>
                       <a:prstDash val="solid"/>
                       <a:round/>
                       <a:headEnd type="none" w="med" len="med"/>
                       <a:tailEnd type="none" w="med" len="med"/>
                     </a:lnR>
                     <a:lnT w="12700" cap="flat" cmpd="sng" algn="ctr">
-                      <a:solidFill>
-                        <a:schemeClr val="tx1"/>
-                      </a:solidFill>
+                      <a:noFill/>
                       <a:prstDash val="solid"/>
                       <a:round/>
                       <a:headEnd type="none" w="med" len="med"/>
@@ -4198,6 +4265,7 @@
                       <a:noFill/>
                       <a:prstDash val="solid"/>
                     </a:lnBlToTr>
+                    <a:noFill/>
                   </a:tcPr>
                 </a:tc>
                 <a:extLst>
@@ -4212,14 +4280,16 @@
                     <a:bodyPr/>
                     <a:lstStyle/>
                     <a:p>
-                      <a:endParaRPr lang="pt-BR" sz="1400" dirty="0"/>
+                      <a:endParaRPr lang="pt-BR" sz="1400" dirty="0">
+                        <a:solidFill>
+                          <a:schemeClr val="tx1"/>
+                        </a:solidFill>
+                      </a:endParaRPr>
                     </a:p>
                   </a:txBody>
                   <a:tcPr anchor="ctr">
                     <a:lnL w="12700" cap="flat" cmpd="sng" algn="ctr">
-                      <a:solidFill>
-                        <a:schemeClr val="tx1"/>
-                      </a:solidFill>
+                      <a:noFill/>
                       <a:prstDash val="solid"/>
                       <a:round/>
                       <a:headEnd type="none" w="med" len="med"/>
@@ -4254,6 +4324,7 @@
                       <a:noFill/>
                       <a:prstDash val="solid"/>
                     </a:lnBlToTr>
+                    <a:noFill/>
                   </a:tcPr>
                 </a:tc>
                 <a:tc>
@@ -4263,7 +4334,11 @@
                     <a:p>
                       <a:pPr algn="ctr"/>
                       <a:r>
-                        <a:rPr lang="pt-BR" sz="1400" dirty="0"/>
+                        <a:rPr lang="pt-BR" sz="1400" dirty="0">
+                          <a:solidFill>
+                            <a:schemeClr val="tx1"/>
+                          </a:solidFill>
+                        </a:rPr>
                         <a:t>MySQL RDS</a:t>
                       </a:r>
                     </a:p>
@@ -4305,6 +4380,7 @@
                       <a:noFill/>
                       <a:prstDash val="solid"/>
                     </a:lnBlToTr>
+                    <a:noFill/>
                   </a:tcPr>
                 </a:tc>
                 <a:tc>
@@ -4314,7 +4390,11 @@
                     <a:p>
                       <a:pPr algn="ctr"/>
                       <a:r>
-                        <a:rPr lang="pt-BR" sz="1400" dirty="0"/>
+                        <a:rPr lang="pt-BR" sz="1400" dirty="0">
+                          <a:solidFill>
+                            <a:schemeClr val="tx1"/>
+                          </a:solidFill>
+                        </a:rPr>
                         <a:t>1.000,00</a:t>
                       </a:r>
                     </a:p>
@@ -4356,6 +4436,7 @@
                       <a:noFill/>
                       <a:prstDash val="solid"/>
                     </a:lnBlToTr>
+                    <a:noFill/>
                   </a:tcPr>
                 </a:tc>
                 <a:tc>
@@ -4365,7 +4446,11 @@
                     <a:p>
                       <a:pPr algn="ctr"/>
                       <a:r>
-                        <a:rPr lang="pt-BR" sz="1400" dirty="0"/>
+                        <a:rPr lang="pt-BR" sz="1400" dirty="0">
+                          <a:solidFill>
+                            <a:schemeClr val="tx1"/>
+                          </a:solidFill>
+                        </a:rPr>
                         <a:t>-</a:t>
                       </a:r>
                     </a:p>
@@ -4407,6 +4492,7 @@
                       <a:noFill/>
                       <a:prstDash val="solid"/>
                     </a:lnBlToTr>
+                    <a:noFill/>
                   </a:tcPr>
                 </a:tc>
                 <a:tc>
@@ -4416,7 +4502,11 @@
                     <a:p>
                       <a:pPr algn="ctr"/>
                       <a:r>
-                        <a:rPr lang="pt-BR" sz="1400" dirty="0"/>
+                        <a:rPr lang="pt-BR" sz="1400" dirty="0">
+                          <a:solidFill>
+                            <a:schemeClr val="tx1"/>
+                          </a:solidFill>
+                        </a:rPr>
                         <a:t>12</a:t>
                       </a:r>
                     </a:p>
@@ -4458,6 +4548,7 @@
                       <a:noFill/>
                       <a:prstDash val="solid"/>
                     </a:lnBlToTr>
+                    <a:noFill/>
                   </a:tcPr>
                 </a:tc>
                 <a:tc>
@@ -4469,7 +4560,7 @@
                       <a:r>
                         <a:rPr lang="pt-BR" sz="1400" kern="1200" dirty="0">
                           <a:solidFill>
-                            <a:schemeClr val="dk1"/>
+                            <a:schemeClr val="tx1"/>
                           </a:solidFill>
                           <a:latin typeface="+mn-lt"/>
                           <a:ea typeface="+mn-ea"/>
@@ -4488,9 +4579,7 @@
                       <a:tailEnd type="none" w="med" len="med"/>
                     </a:lnL>
                     <a:lnR w="12700" cap="flat" cmpd="sng" algn="ctr">
-                      <a:solidFill>
-                        <a:schemeClr val="tx1"/>
-                      </a:solidFill>
+                      <a:noFill/>
                       <a:prstDash val="solid"/>
                       <a:round/>
                       <a:headEnd type="none" w="med" len="med"/>
@@ -4518,6 +4607,7 @@
                       <a:noFill/>
                       <a:prstDash val="solid"/>
                     </a:lnBlToTr>
+                    <a:noFill/>
                   </a:tcPr>
                 </a:tc>
                 <a:extLst>
@@ -4532,14 +4622,16 @@
                     <a:bodyPr/>
                     <a:lstStyle/>
                     <a:p>
-                      <a:endParaRPr lang="pt-BR" sz="1400" dirty="0"/>
+                      <a:endParaRPr lang="pt-BR" sz="1400" dirty="0">
+                        <a:solidFill>
+                          <a:schemeClr val="tx1"/>
+                        </a:solidFill>
+                      </a:endParaRPr>
                     </a:p>
                   </a:txBody>
                   <a:tcPr anchor="ctr">
                     <a:lnL w="12700" cap="flat" cmpd="sng" algn="ctr">
-                      <a:solidFill>
-                        <a:schemeClr val="tx1"/>
-                      </a:solidFill>
+                      <a:noFill/>
                       <a:prstDash val="solid"/>
                       <a:round/>
                       <a:headEnd type="none" w="med" len="med"/>
@@ -4560,9 +4652,7 @@
                       <a:tailEnd type="none" w="med" len="med"/>
                     </a:lnT>
                     <a:lnB w="12700" cap="flat" cmpd="sng" algn="ctr">
-                      <a:solidFill>
-                        <a:schemeClr val="tx1"/>
-                      </a:solidFill>
+                      <a:noFill/>
                       <a:prstDash val="solid"/>
                       <a:round/>
                       <a:headEnd type="none" w="med" len="med"/>
@@ -4576,6 +4666,7 @@
                       <a:noFill/>
                       <a:prstDash val="solid"/>
                     </a:lnBlToTr>
+                    <a:noFill/>
                   </a:tcPr>
                 </a:tc>
                 <a:tc>
@@ -4585,7 +4676,11 @@
                     <a:p>
                       <a:pPr algn="ctr"/>
                       <a:r>
-                        <a:rPr lang="pt-BR" sz="1400" dirty="0"/>
+                        <a:rPr lang="pt-BR" sz="1400" dirty="0">
+                          <a:solidFill>
+                            <a:schemeClr val="tx1"/>
+                          </a:solidFill>
+                        </a:rPr>
                         <a:t>Armazenamento AWS S3</a:t>
                       </a:r>
                     </a:p>
@@ -4613,9 +4708,7 @@
                       <a:tailEnd type="none" w="med" len="med"/>
                     </a:lnT>
                     <a:lnB w="12700" cap="flat" cmpd="sng" algn="ctr">
-                      <a:solidFill>
-                        <a:schemeClr val="tx1"/>
-                      </a:solidFill>
+                      <a:noFill/>
                       <a:prstDash val="solid"/>
                       <a:round/>
                       <a:headEnd type="none" w="med" len="med"/>
@@ -4629,6 +4722,7 @@
                       <a:noFill/>
                       <a:prstDash val="solid"/>
                     </a:lnBlToTr>
+                    <a:noFill/>
                   </a:tcPr>
                 </a:tc>
                 <a:tc>
@@ -4638,7 +4732,11 @@
                     <a:p>
                       <a:pPr algn="ctr"/>
                       <a:r>
-                        <a:rPr lang="pt-BR" sz="1400" dirty="0"/>
+                        <a:rPr lang="pt-BR" sz="1400" dirty="0">
+                          <a:solidFill>
+                            <a:schemeClr val="tx1"/>
+                          </a:solidFill>
+                        </a:rPr>
                         <a:t>900,00</a:t>
                       </a:r>
                     </a:p>
@@ -4666,9 +4764,7 @@
                       <a:tailEnd type="none" w="med" len="med"/>
                     </a:lnT>
                     <a:lnB w="12700" cap="flat" cmpd="sng" algn="ctr">
-                      <a:solidFill>
-                        <a:schemeClr val="tx1"/>
-                      </a:solidFill>
+                      <a:noFill/>
                       <a:prstDash val="solid"/>
                       <a:round/>
                       <a:headEnd type="none" w="med" len="med"/>
@@ -4682,6 +4778,7 @@
                       <a:noFill/>
                       <a:prstDash val="solid"/>
                     </a:lnBlToTr>
+                    <a:noFill/>
                   </a:tcPr>
                 </a:tc>
                 <a:tc>
@@ -4691,7 +4788,11 @@
                     <a:p>
                       <a:pPr algn="ctr"/>
                       <a:r>
-                        <a:rPr lang="pt-BR" sz="1400" dirty="0"/>
+                        <a:rPr lang="pt-BR" sz="1400" dirty="0">
+                          <a:solidFill>
+                            <a:schemeClr val="tx1"/>
+                          </a:solidFill>
+                        </a:rPr>
                         <a:t>-</a:t>
                       </a:r>
                     </a:p>
@@ -4719,9 +4820,7 @@
                       <a:tailEnd type="none" w="med" len="med"/>
                     </a:lnT>
                     <a:lnB w="12700" cap="flat" cmpd="sng" algn="ctr">
-                      <a:solidFill>
-                        <a:schemeClr val="tx1"/>
-                      </a:solidFill>
+                      <a:noFill/>
                       <a:prstDash val="solid"/>
                       <a:round/>
                       <a:headEnd type="none" w="med" len="med"/>
@@ -4735,6 +4834,7 @@
                       <a:noFill/>
                       <a:prstDash val="solid"/>
                     </a:lnBlToTr>
+                    <a:noFill/>
                   </a:tcPr>
                 </a:tc>
                 <a:tc>
@@ -4744,7 +4844,11 @@
                     <a:p>
                       <a:pPr algn="ctr"/>
                       <a:r>
-                        <a:rPr lang="pt-BR" sz="1400" dirty="0"/>
+                        <a:rPr lang="pt-BR" sz="1400" dirty="0">
+                          <a:solidFill>
+                            <a:schemeClr val="tx1"/>
+                          </a:solidFill>
+                        </a:rPr>
                         <a:t>12</a:t>
                       </a:r>
                     </a:p>
@@ -4772,9 +4876,7 @@
                       <a:tailEnd type="none" w="med" len="med"/>
                     </a:lnT>
                     <a:lnB w="12700" cap="flat" cmpd="sng" algn="ctr">
-                      <a:solidFill>
-                        <a:schemeClr val="tx1"/>
-                      </a:solidFill>
+                      <a:noFill/>
                       <a:prstDash val="solid"/>
                       <a:round/>
                       <a:headEnd type="none" w="med" len="med"/>
@@ -4788,6 +4890,7 @@
                       <a:noFill/>
                       <a:prstDash val="solid"/>
                     </a:lnBlToTr>
+                    <a:noFill/>
                   </a:tcPr>
                 </a:tc>
                 <a:tc>
@@ -4799,7 +4902,7 @@
                       <a:r>
                         <a:rPr lang="pt-BR" sz="1400" kern="1200" dirty="0">
                           <a:solidFill>
-                            <a:schemeClr val="dk1"/>
+                            <a:schemeClr val="tx1"/>
                           </a:solidFill>
                           <a:latin typeface="+mn-lt"/>
                           <a:ea typeface="+mn-ea"/>
@@ -4818,9 +4921,7 @@
                       <a:tailEnd type="none" w="med" len="med"/>
                     </a:lnL>
                     <a:lnR w="12700" cap="flat" cmpd="sng" algn="ctr">
-                      <a:solidFill>
-                        <a:schemeClr val="tx1"/>
-                      </a:solidFill>
+                      <a:noFill/>
                       <a:prstDash val="solid"/>
                       <a:round/>
                       <a:headEnd type="none" w="med" len="med"/>
@@ -4834,9 +4935,7 @@
                       <a:tailEnd type="none" w="med" len="med"/>
                     </a:lnT>
                     <a:lnB w="12700" cap="flat" cmpd="sng" algn="ctr">
-                      <a:solidFill>
-                        <a:schemeClr val="tx1"/>
-                      </a:solidFill>
+                      <a:noFill/>
                       <a:prstDash val="solid"/>
                       <a:round/>
                       <a:headEnd type="none" w="med" len="med"/>
@@ -4850,6 +4949,7 @@
                       <a:noFill/>
                       <a:prstDash val="solid"/>
                     </a:lnBlToTr>
+                    <a:noFill/>
                   </a:tcPr>
                 </a:tc>
                 <a:extLst>
@@ -4882,16 +4982,18 @@
                         <a:defRPr/>
                       </a:pPr>
                       <a:r>
-                        <a:rPr lang="pt-BR" sz="1400" dirty="0"/>
+                        <a:rPr lang="pt-BR" sz="1400" dirty="0">
+                          <a:solidFill>
+                            <a:schemeClr val="tx1"/>
+                          </a:solidFill>
+                        </a:rPr>
                         <a:t>Domínio e Hospedagem</a:t>
                       </a:r>
                     </a:p>
                   </a:txBody>
                   <a:tcPr anchor="ctr">
                     <a:lnL w="12700" cap="flat" cmpd="sng" algn="ctr">
-                      <a:solidFill>
-                        <a:schemeClr val="tx1"/>
-                      </a:solidFill>
+                      <a:noFill/>
                       <a:prstDash val="solid"/>
                       <a:round/>
                       <a:headEnd type="none" w="med" len="med"/>
@@ -4905,9 +5007,7 @@
                       <a:tailEnd type="none" w="med" len="med"/>
                     </a:lnR>
                     <a:lnT w="12700" cap="flat" cmpd="sng" algn="ctr">
-                      <a:solidFill>
-                        <a:schemeClr val="tx1"/>
-                      </a:solidFill>
+                      <a:noFill/>
                       <a:prstDash val="solid"/>
                       <a:round/>
                       <a:headEnd type="none" w="med" len="med"/>
@@ -4928,6 +5028,7 @@
                       <a:noFill/>
                       <a:prstDash val="solid"/>
                     </a:lnBlToTr>
+                    <a:noFill/>
                   </a:tcPr>
                 </a:tc>
                 <a:tc>
@@ -4937,7 +5038,11 @@
                     <a:p>
                       <a:pPr algn="ctr"/>
                       <a:r>
-                        <a:rPr lang="pt-BR" sz="1400" dirty="0"/>
+                        <a:rPr lang="pt-BR" sz="1400" dirty="0">
+                          <a:solidFill>
+                            <a:schemeClr val="tx1"/>
+                          </a:solidFill>
+                        </a:rPr>
                         <a:t>Domínio</a:t>
                       </a:r>
                     </a:p>
@@ -4958,9 +5063,7 @@
                       <a:tailEnd type="none" w="med" len="med"/>
                     </a:lnR>
                     <a:lnT w="12700" cap="flat" cmpd="sng" algn="ctr">
-                      <a:solidFill>
-                        <a:schemeClr val="tx1"/>
-                      </a:solidFill>
+                      <a:noFill/>
                       <a:prstDash val="solid"/>
                       <a:round/>
                       <a:headEnd type="none" w="med" len="med"/>
@@ -4981,6 +5084,7 @@
                       <a:noFill/>
                       <a:prstDash val="solid"/>
                     </a:lnBlToTr>
+                    <a:noFill/>
                   </a:tcPr>
                 </a:tc>
                 <a:tc>
@@ -4990,7 +5094,11 @@
                     <a:p>
                       <a:pPr algn="ctr"/>
                       <a:r>
-                        <a:rPr lang="pt-BR" sz="1400" dirty="0"/>
+                        <a:rPr lang="pt-BR" sz="1400" dirty="0">
+                          <a:solidFill>
+                            <a:schemeClr val="tx1"/>
+                          </a:solidFill>
+                        </a:rPr>
                         <a:t>6,67</a:t>
                       </a:r>
                     </a:p>
@@ -5011,9 +5119,7 @@
                       <a:tailEnd type="none" w="med" len="med"/>
                     </a:lnR>
                     <a:lnT w="12700" cap="flat" cmpd="sng" algn="ctr">
-                      <a:solidFill>
-                        <a:schemeClr val="tx1"/>
-                      </a:solidFill>
+                      <a:noFill/>
                       <a:prstDash val="solid"/>
                       <a:round/>
                       <a:headEnd type="none" w="med" len="med"/>
@@ -5034,6 +5140,7 @@
                       <a:noFill/>
                       <a:prstDash val="solid"/>
                     </a:lnBlToTr>
+                    <a:noFill/>
                   </a:tcPr>
                 </a:tc>
                 <a:tc>
@@ -5043,7 +5150,11 @@
                     <a:p>
                       <a:pPr algn="ctr"/>
                       <a:r>
-                        <a:rPr lang="pt-BR" sz="1400" dirty="0"/>
+                        <a:rPr lang="pt-BR" sz="1400" dirty="0">
+                          <a:solidFill>
+                            <a:schemeClr val="tx1"/>
+                          </a:solidFill>
+                        </a:rPr>
                         <a:t>-</a:t>
                       </a:r>
                     </a:p>
@@ -5064,9 +5175,7 @@
                       <a:tailEnd type="none" w="med" len="med"/>
                     </a:lnR>
                     <a:lnT w="12700" cap="flat" cmpd="sng" algn="ctr">
-                      <a:solidFill>
-                        <a:schemeClr val="tx1"/>
-                      </a:solidFill>
+                      <a:noFill/>
                       <a:prstDash val="solid"/>
                       <a:round/>
                       <a:headEnd type="none" w="med" len="med"/>
@@ -5087,6 +5196,7 @@
                       <a:noFill/>
                       <a:prstDash val="solid"/>
                     </a:lnBlToTr>
+                    <a:noFill/>
                   </a:tcPr>
                 </a:tc>
                 <a:tc>
@@ -5096,7 +5206,11 @@
                     <a:p>
                       <a:pPr algn="ctr"/>
                       <a:r>
-                        <a:rPr lang="pt-BR" sz="1400" dirty="0"/>
+                        <a:rPr lang="pt-BR" sz="1400" dirty="0">
+                          <a:solidFill>
+                            <a:schemeClr val="tx1"/>
+                          </a:solidFill>
+                        </a:rPr>
                         <a:t>12</a:t>
                       </a:r>
                     </a:p>
@@ -5117,9 +5231,7 @@
                       <a:tailEnd type="none" w="med" len="med"/>
                     </a:lnR>
                     <a:lnT w="12700" cap="flat" cmpd="sng" algn="ctr">
-                      <a:solidFill>
-                        <a:schemeClr val="tx1"/>
-                      </a:solidFill>
+                      <a:noFill/>
                       <a:prstDash val="solid"/>
                       <a:round/>
                       <a:headEnd type="none" w="med" len="med"/>
@@ -5140,6 +5252,7 @@
                       <a:noFill/>
                       <a:prstDash val="solid"/>
                     </a:lnBlToTr>
+                    <a:noFill/>
                   </a:tcPr>
                 </a:tc>
                 <a:tc>
@@ -5151,7 +5264,7 @@
                       <a:r>
                         <a:rPr lang="pt-BR" sz="1400" kern="1200" dirty="0">
                           <a:solidFill>
-                            <a:schemeClr val="dk1"/>
+                            <a:schemeClr val="tx1"/>
                           </a:solidFill>
                           <a:latin typeface="+mn-lt"/>
                           <a:ea typeface="+mn-ea"/>
@@ -5170,18 +5283,14 @@
                       <a:tailEnd type="none" w="med" len="med"/>
                     </a:lnL>
                     <a:lnR w="12700" cap="flat" cmpd="sng" algn="ctr">
-                      <a:solidFill>
-                        <a:schemeClr val="tx1"/>
-                      </a:solidFill>
+                      <a:noFill/>
                       <a:prstDash val="solid"/>
                       <a:round/>
                       <a:headEnd type="none" w="med" len="med"/>
                       <a:tailEnd type="none" w="med" len="med"/>
                     </a:lnR>
                     <a:lnT w="12700" cap="flat" cmpd="sng" algn="ctr">
-                      <a:solidFill>
-                        <a:schemeClr val="tx1"/>
-                      </a:solidFill>
+                      <a:noFill/>
                       <a:prstDash val="solid"/>
                       <a:round/>
                       <a:headEnd type="none" w="med" len="med"/>
@@ -5202,6 +5311,7 @@
                       <a:noFill/>
                       <a:prstDash val="solid"/>
                     </a:lnBlToTr>
+                    <a:noFill/>
                   </a:tcPr>
                 </a:tc>
                 <a:extLst>
@@ -5216,14 +5326,16 @@
                     <a:bodyPr/>
                     <a:lstStyle/>
                     <a:p>
-                      <a:endParaRPr lang="pt-BR" sz="1400" dirty="0"/>
+                      <a:endParaRPr lang="pt-BR" sz="1400" dirty="0">
+                        <a:solidFill>
+                          <a:schemeClr val="tx1"/>
+                        </a:solidFill>
+                      </a:endParaRPr>
                     </a:p>
                   </a:txBody>
                   <a:tcPr anchor="ctr">
                     <a:lnL w="12700" cap="flat" cmpd="sng" algn="ctr">
-                      <a:solidFill>
-                        <a:schemeClr val="tx1"/>
-                      </a:solidFill>
+                      <a:noFill/>
                       <a:prstDash val="solid"/>
                       <a:round/>
                       <a:headEnd type="none" w="med" len="med"/>
@@ -5244,9 +5356,7 @@
                       <a:tailEnd type="none" w="med" len="med"/>
                     </a:lnT>
                     <a:lnB w="12700" cap="flat" cmpd="sng" algn="ctr">
-                      <a:solidFill>
-                        <a:schemeClr val="tx1"/>
-                      </a:solidFill>
+                      <a:noFill/>
                       <a:prstDash val="solid"/>
                       <a:round/>
                       <a:headEnd type="none" w="med" len="med"/>
@@ -5260,6 +5370,7 @@
                       <a:noFill/>
                       <a:prstDash val="solid"/>
                     </a:lnBlToTr>
+                    <a:noFill/>
                   </a:tcPr>
                 </a:tc>
                 <a:tc>
@@ -5269,7 +5380,11 @@
                     <a:p>
                       <a:pPr algn="ctr"/>
                       <a:r>
-                        <a:rPr lang="pt-BR" sz="1400" dirty="0"/>
+                        <a:rPr lang="pt-BR" sz="1400" dirty="0">
+                          <a:solidFill>
+                            <a:schemeClr val="tx1"/>
+                          </a:solidFill>
+                        </a:rPr>
                         <a:t>Hospedagem</a:t>
                       </a:r>
                     </a:p>
@@ -5297,9 +5412,7 @@
                       <a:tailEnd type="none" w="med" len="med"/>
                     </a:lnT>
                     <a:lnB w="12700" cap="flat" cmpd="sng" algn="ctr">
-                      <a:solidFill>
-                        <a:schemeClr val="tx1"/>
-                      </a:solidFill>
+                      <a:noFill/>
                       <a:prstDash val="solid"/>
                       <a:round/>
                       <a:headEnd type="none" w="med" len="med"/>
@@ -5313,6 +5426,7 @@
                       <a:noFill/>
                       <a:prstDash val="solid"/>
                     </a:lnBlToTr>
+                    <a:noFill/>
                   </a:tcPr>
                 </a:tc>
                 <a:tc>
@@ -5322,7 +5436,11 @@
                     <a:p>
                       <a:pPr algn="ctr"/>
                       <a:r>
-                        <a:rPr lang="pt-BR" sz="1400" dirty="0"/>
+                        <a:rPr lang="pt-BR" sz="1400" dirty="0">
+                          <a:solidFill>
+                            <a:schemeClr val="tx1"/>
+                          </a:solidFill>
+                        </a:rPr>
                         <a:t>200,00</a:t>
                       </a:r>
                     </a:p>
@@ -5350,9 +5468,7 @@
                       <a:tailEnd type="none" w="med" len="med"/>
                     </a:lnT>
                     <a:lnB w="12700" cap="flat" cmpd="sng" algn="ctr">
-                      <a:solidFill>
-                        <a:schemeClr val="tx1"/>
-                      </a:solidFill>
+                      <a:noFill/>
                       <a:prstDash val="solid"/>
                       <a:round/>
                       <a:headEnd type="none" w="med" len="med"/>
@@ -5366,6 +5482,7 @@
                       <a:noFill/>
                       <a:prstDash val="solid"/>
                     </a:lnBlToTr>
+                    <a:noFill/>
                   </a:tcPr>
                 </a:tc>
                 <a:tc>
@@ -5375,7 +5492,11 @@
                     <a:p>
                       <a:pPr algn="ctr"/>
                       <a:r>
-                        <a:rPr lang="pt-BR" sz="1400" dirty="0"/>
+                        <a:rPr lang="pt-BR" sz="1400" dirty="0">
+                          <a:solidFill>
+                            <a:schemeClr val="tx1"/>
+                          </a:solidFill>
+                        </a:rPr>
                         <a:t>-</a:t>
                       </a:r>
                     </a:p>
@@ -5403,9 +5524,7 @@
                       <a:tailEnd type="none" w="med" len="med"/>
                     </a:lnT>
                     <a:lnB w="12700" cap="flat" cmpd="sng" algn="ctr">
-                      <a:solidFill>
-                        <a:schemeClr val="tx1"/>
-                      </a:solidFill>
+                      <a:noFill/>
                       <a:prstDash val="solid"/>
                       <a:round/>
                       <a:headEnd type="none" w="med" len="med"/>
@@ -5419,6 +5538,7 @@
                       <a:noFill/>
                       <a:prstDash val="solid"/>
                     </a:lnBlToTr>
+                    <a:noFill/>
                   </a:tcPr>
                 </a:tc>
                 <a:tc>
@@ -5428,7 +5548,11 @@
                     <a:p>
                       <a:pPr algn="ctr"/>
                       <a:r>
-                        <a:rPr lang="pt-BR" sz="1400" dirty="0"/>
+                        <a:rPr lang="pt-BR" sz="1400" dirty="0">
+                          <a:solidFill>
+                            <a:schemeClr val="tx1"/>
+                          </a:solidFill>
+                        </a:rPr>
                         <a:t>12</a:t>
                       </a:r>
                     </a:p>
@@ -5456,9 +5580,7 @@
                       <a:tailEnd type="none" w="med" len="med"/>
                     </a:lnT>
                     <a:lnB w="12700" cap="flat" cmpd="sng" algn="ctr">
-                      <a:solidFill>
-                        <a:schemeClr val="tx1"/>
-                      </a:solidFill>
+                      <a:noFill/>
                       <a:prstDash val="solid"/>
                       <a:round/>
                       <a:headEnd type="none" w="med" len="med"/>
@@ -5472,6 +5594,7 @@
                       <a:noFill/>
                       <a:prstDash val="solid"/>
                     </a:lnBlToTr>
+                    <a:noFill/>
                   </a:tcPr>
                 </a:tc>
                 <a:tc>
@@ -5483,7 +5606,7 @@
                       <a:r>
                         <a:rPr lang="pt-BR" sz="1400" kern="1200" dirty="0">
                           <a:solidFill>
-                            <a:schemeClr val="dk1"/>
+                            <a:schemeClr val="tx1"/>
                           </a:solidFill>
                           <a:latin typeface="+mn-lt"/>
                           <a:ea typeface="+mn-ea"/>
@@ -5502,9 +5625,7 @@
                       <a:tailEnd type="none" w="med" len="med"/>
                     </a:lnL>
                     <a:lnR w="12700" cap="flat" cmpd="sng" algn="ctr">
-                      <a:solidFill>
-                        <a:schemeClr val="tx1"/>
-                      </a:solidFill>
+                      <a:noFill/>
                       <a:prstDash val="solid"/>
                       <a:round/>
                       <a:headEnd type="none" w="med" len="med"/>
@@ -5518,9 +5639,7 @@
                       <a:tailEnd type="none" w="med" len="med"/>
                     </a:lnT>
                     <a:lnB w="12700" cap="flat" cmpd="sng" algn="ctr">
-                      <a:solidFill>
-                        <a:schemeClr val="tx1"/>
-                      </a:solidFill>
+                      <a:noFill/>
                       <a:prstDash val="solid"/>
                       <a:round/>
                       <a:headEnd type="none" w="med" len="med"/>
@@ -5534,6 +5653,7 @@
                       <a:noFill/>
                       <a:prstDash val="solid"/>
                     </a:lnBlToTr>
+                    <a:noFill/>
                   </a:tcPr>
                 </a:tc>
                 <a:extLst>
@@ -5566,16 +5686,18 @@
                         <a:defRPr/>
                       </a:pPr>
                       <a:r>
-                        <a:rPr lang="pt-BR" sz="1400" dirty="0"/>
+                        <a:rPr lang="pt-BR" sz="1400" dirty="0">
+                          <a:solidFill>
+                            <a:schemeClr val="tx1"/>
+                          </a:solidFill>
+                        </a:rPr>
                         <a:t>Licenciamento e Ferramentas</a:t>
                       </a:r>
                     </a:p>
                   </a:txBody>
                   <a:tcPr anchor="ctr">
                     <a:lnL w="12700" cap="flat" cmpd="sng" algn="ctr">
-                      <a:solidFill>
-                        <a:schemeClr val="tx1"/>
-                      </a:solidFill>
+                      <a:noFill/>
                       <a:prstDash val="solid"/>
                       <a:round/>
                       <a:headEnd type="none" w="med" len="med"/>
@@ -5589,9 +5711,7 @@
                       <a:tailEnd type="none" w="med" len="med"/>
                     </a:lnR>
                     <a:lnT w="12700" cap="flat" cmpd="sng" algn="ctr">
-                      <a:solidFill>
-                        <a:schemeClr val="tx1"/>
-                      </a:solidFill>
+                      <a:noFill/>
                       <a:prstDash val="solid"/>
                       <a:round/>
                       <a:headEnd type="none" w="med" len="med"/>
@@ -5612,6 +5732,7 @@
                       <a:noFill/>
                       <a:prstDash val="solid"/>
                     </a:lnBlToTr>
+                    <a:noFill/>
                   </a:tcPr>
                 </a:tc>
                 <a:tc>
@@ -5621,7 +5742,11 @@
                     <a:p>
                       <a:pPr algn="ctr"/>
                       <a:r>
-                        <a:rPr lang="pt-BR" sz="1400" dirty="0"/>
+                        <a:rPr lang="pt-BR" sz="1400" dirty="0">
+                          <a:solidFill>
+                            <a:schemeClr val="tx1"/>
+                          </a:solidFill>
+                        </a:rPr>
                         <a:t>Google Maps API</a:t>
                       </a:r>
                     </a:p>
@@ -5642,9 +5767,7 @@
                       <a:tailEnd type="none" w="med" len="med"/>
                     </a:lnR>
                     <a:lnT w="12700" cap="flat" cmpd="sng" algn="ctr">
-                      <a:solidFill>
-                        <a:schemeClr val="tx1"/>
-                      </a:solidFill>
+                      <a:noFill/>
                       <a:prstDash val="solid"/>
                       <a:round/>
                       <a:headEnd type="none" w="med" len="med"/>
@@ -5665,6 +5788,7 @@
                       <a:noFill/>
                       <a:prstDash val="solid"/>
                     </a:lnBlToTr>
+                    <a:noFill/>
                   </a:tcPr>
                 </a:tc>
                 <a:tc>
@@ -5674,7 +5798,11 @@
                     <a:p>
                       <a:pPr algn="ctr"/>
                       <a:r>
-                        <a:rPr lang="pt-BR" sz="1400" dirty="0"/>
+                        <a:rPr lang="pt-BR" sz="1400" dirty="0">
+                          <a:solidFill>
+                            <a:schemeClr val="tx1"/>
+                          </a:solidFill>
+                        </a:rPr>
                         <a:t>125,00</a:t>
                       </a:r>
                     </a:p>
@@ -5695,9 +5823,7 @@
                       <a:tailEnd type="none" w="med" len="med"/>
                     </a:lnR>
                     <a:lnT w="12700" cap="flat" cmpd="sng" algn="ctr">
-                      <a:solidFill>
-                        <a:schemeClr val="tx1"/>
-                      </a:solidFill>
+                      <a:noFill/>
                       <a:prstDash val="solid"/>
                       <a:round/>
                       <a:headEnd type="none" w="med" len="med"/>
@@ -5718,6 +5844,7 @@
                       <a:noFill/>
                       <a:prstDash val="solid"/>
                     </a:lnBlToTr>
+                    <a:noFill/>
                   </a:tcPr>
                 </a:tc>
                 <a:tc>
@@ -5727,7 +5854,11 @@
                     <a:p>
                       <a:pPr algn="ctr"/>
                       <a:r>
-                        <a:rPr lang="pt-BR" sz="1400" dirty="0"/>
+                        <a:rPr lang="pt-BR" sz="1400" dirty="0">
+                          <a:solidFill>
+                            <a:schemeClr val="tx1"/>
+                          </a:solidFill>
+                        </a:rPr>
                         <a:t>-</a:t>
                       </a:r>
                     </a:p>
@@ -5748,9 +5879,7 @@
                       <a:tailEnd type="none" w="med" len="med"/>
                     </a:lnR>
                     <a:lnT w="12700" cap="flat" cmpd="sng" algn="ctr">
-                      <a:solidFill>
-                        <a:schemeClr val="tx1"/>
-                      </a:solidFill>
+                      <a:noFill/>
                       <a:prstDash val="solid"/>
                       <a:round/>
                       <a:headEnd type="none" w="med" len="med"/>
@@ -5771,6 +5900,7 @@
                       <a:noFill/>
                       <a:prstDash val="solid"/>
                     </a:lnBlToTr>
+                    <a:noFill/>
                   </a:tcPr>
                 </a:tc>
                 <a:tc>
@@ -5780,7 +5910,11 @@
                     <a:p>
                       <a:pPr algn="ctr"/>
                       <a:r>
-                        <a:rPr lang="pt-BR" sz="1400" dirty="0"/>
+                        <a:rPr lang="pt-BR" sz="1400" dirty="0">
+                          <a:solidFill>
+                            <a:schemeClr val="tx1"/>
+                          </a:solidFill>
+                        </a:rPr>
                         <a:t>12</a:t>
                       </a:r>
                     </a:p>
@@ -5801,9 +5935,7 @@
                       <a:tailEnd type="none" w="med" len="med"/>
                     </a:lnR>
                     <a:lnT w="12700" cap="flat" cmpd="sng" algn="ctr">
-                      <a:solidFill>
-                        <a:schemeClr val="tx1"/>
-                      </a:solidFill>
+                      <a:noFill/>
                       <a:prstDash val="solid"/>
                       <a:round/>
                       <a:headEnd type="none" w="med" len="med"/>
@@ -5824,6 +5956,7 @@
                       <a:noFill/>
                       <a:prstDash val="solid"/>
                     </a:lnBlToTr>
+                    <a:noFill/>
                   </a:tcPr>
                 </a:tc>
                 <a:tc>
@@ -5835,7 +5968,7 @@
                       <a:r>
                         <a:rPr lang="pt-BR" sz="1400" kern="1200" dirty="0">
                           <a:solidFill>
-                            <a:schemeClr val="dk1"/>
+                            <a:schemeClr val="tx1"/>
                           </a:solidFill>
                           <a:latin typeface="+mn-lt"/>
                           <a:ea typeface="+mn-ea"/>
@@ -5854,18 +5987,14 @@
                       <a:tailEnd type="none" w="med" len="med"/>
                     </a:lnL>
                     <a:lnR w="12700" cap="flat" cmpd="sng" algn="ctr">
-                      <a:solidFill>
-                        <a:schemeClr val="tx1"/>
-                      </a:solidFill>
+                      <a:noFill/>
                       <a:prstDash val="solid"/>
                       <a:round/>
                       <a:headEnd type="none" w="med" len="med"/>
                       <a:tailEnd type="none" w="med" len="med"/>
                     </a:lnR>
                     <a:lnT w="12700" cap="flat" cmpd="sng" algn="ctr">
-                      <a:solidFill>
-                        <a:schemeClr val="tx1"/>
-                      </a:solidFill>
+                      <a:noFill/>
                       <a:prstDash val="solid"/>
                       <a:round/>
                       <a:headEnd type="none" w="med" len="med"/>
@@ -5886,6 +6015,7 @@
                       <a:noFill/>
                       <a:prstDash val="solid"/>
                     </a:lnBlToTr>
+                    <a:noFill/>
                   </a:tcPr>
                 </a:tc>
                 <a:extLst>
@@ -5900,14 +6030,16 @@
                     <a:bodyPr/>
                     <a:lstStyle/>
                     <a:p>
-                      <a:endParaRPr lang="pt-BR" sz="1400" dirty="0"/>
+                      <a:endParaRPr lang="pt-BR" sz="1400" dirty="0">
+                        <a:solidFill>
+                          <a:schemeClr val="tx1"/>
+                        </a:solidFill>
+                      </a:endParaRPr>
                     </a:p>
                   </a:txBody>
                   <a:tcPr anchor="ctr">
                     <a:lnL w="12700" cap="flat" cmpd="sng" algn="ctr">
-                      <a:solidFill>
-                        <a:schemeClr val="tx1"/>
-                      </a:solidFill>
+                      <a:noFill/>
                       <a:prstDash val="solid"/>
                       <a:round/>
                       <a:headEnd type="none" w="med" len="med"/>
@@ -5928,9 +6060,7 @@
                       <a:tailEnd type="none" w="med" len="med"/>
                     </a:lnT>
                     <a:lnB w="12700" cap="flat" cmpd="sng" algn="ctr">
-                      <a:solidFill>
-                        <a:schemeClr val="tx1"/>
-                      </a:solidFill>
+                      <a:noFill/>
                       <a:prstDash val="solid"/>
                       <a:round/>
                       <a:headEnd type="none" w="med" len="med"/>
@@ -5944,6 +6074,7 @@
                       <a:noFill/>
                       <a:prstDash val="solid"/>
                     </a:lnBlToTr>
+                    <a:noFill/>
                   </a:tcPr>
                 </a:tc>
                 <a:tc>
@@ -5953,7 +6084,11 @@
                     <a:p>
                       <a:pPr algn="ctr"/>
                       <a:r>
-                        <a:rPr lang="pt-BR" sz="1400" dirty="0"/>
+                        <a:rPr lang="pt-BR" sz="1400" dirty="0">
+                          <a:solidFill>
+                            <a:schemeClr val="tx1"/>
+                          </a:solidFill>
+                        </a:rPr>
                         <a:t>Trello</a:t>
                       </a:r>
                     </a:p>
@@ -5981,9 +6116,7 @@
                       <a:tailEnd type="none" w="med" len="med"/>
                     </a:lnT>
                     <a:lnB w="12700" cap="flat" cmpd="sng" algn="ctr">
-                      <a:solidFill>
-                        <a:schemeClr val="tx1"/>
-                      </a:solidFill>
+                      <a:noFill/>
                       <a:prstDash val="solid"/>
                       <a:round/>
                       <a:headEnd type="none" w="med" len="med"/>
@@ -5997,6 +6130,7 @@
                       <a:noFill/>
                       <a:prstDash val="solid"/>
                     </a:lnBlToTr>
+                    <a:noFill/>
                   </a:tcPr>
                 </a:tc>
                 <a:tc>
@@ -6006,7 +6140,11 @@
                     <a:p>
                       <a:pPr algn="ctr"/>
                       <a:r>
-                        <a:rPr lang="pt-BR" sz="1400" dirty="0"/>
+                        <a:rPr lang="pt-BR" sz="1400" dirty="0">
+                          <a:solidFill>
+                            <a:schemeClr val="tx1"/>
+                          </a:solidFill>
+                        </a:rPr>
                         <a:t>0,00</a:t>
                       </a:r>
                     </a:p>
@@ -6034,9 +6172,7 @@
                       <a:tailEnd type="none" w="med" len="med"/>
                     </a:lnT>
                     <a:lnB w="12700" cap="flat" cmpd="sng" algn="ctr">
-                      <a:solidFill>
-                        <a:schemeClr val="tx1"/>
-                      </a:solidFill>
+                      <a:noFill/>
                       <a:prstDash val="solid"/>
                       <a:round/>
                       <a:headEnd type="none" w="med" len="med"/>
@@ -6050,6 +6186,7 @@
                       <a:noFill/>
                       <a:prstDash val="solid"/>
                     </a:lnBlToTr>
+                    <a:noFill/>
                   </a:tcPr>
                 </a:tc>
                 <a:tc>
@@ -6059,7 +6196,11 @@
                     <a:p>
                       <a:pPr algn="ctr"/>
                       <a:r>
-                        <a:rPr lang="pt-BR" sz="1400" dirty="0"/>
+                        <a:rPr lang="pt-BR" sz="1400" dirty="0">
+                          <a:solidFill>
+                            <a:schemeClr val="tx1"/>
+                          </a:solidFill>
+                        </a:rPr>
                         <a:t>3</a:t>
                       </a:r>
                     </a:p>
@@ -6087,9 +6228,7 @@
                       <a:tailEnd type="none" w="med" len="med"/>
                     </a:lnT>
                     <a:lnB w="12700" cap="flat" cmpd="sng" algn="ctr">
-                      <a:solidFill>
-                        <a:schemeClr val="tx1"/>
-                      </a:solidFill>
+                      <a:noFill/>
                       <a:prstDash val="solid"/>
                       <a:round/>
                       <a:headEnd type="none" w="med" len="med"/>
@@ -6103,6 +6242,7 @@
                       <a:noFill/>
                       <a:prstDash val="solid"/>
                     </a:lnBlToTr>
+                    <a:noFill/>
                   </a:tcPr>
                 </a:tc>
                 <a:tc>
@@ -6112,7 +6252,11 @@
                     <a:p>
                       <a:pPr algn="ctr"/>
                       <a:r>
-                        <a:rPr lang="pt-BR" sz="1400" dirty="0"/>
+                        <a:rPr lang="pt-BR" sz="1400" dirty="0">
+                          <a:solidFill>
+                            <a:schemeClr val="tx1"/>
+                          </a:solidFill>
+                        </a:rPr>
                         <a:t>12</a:t>
                       </a:r>
                     </a:p>
@@ -6140,9 +6284,7 @@
                       <a:tailEnd type="none" w="med" len="med"/>
                     </a:lnT>
                     <a:lnB w="12700" cap="flat" cmpd="sng" algn="ctr">
-                      <a:solidFill>
-                        <a:schemeClr val="tx1"/>
-                      </a:solidFill>
+                      <a:noFill/>
                       <a:prstDash val="solid"/>
                       <a:round/>
                       <a:headEnd type="none" w="med" len="med"/>
@@ -6156,6 +6298,7 @@
                       <a:noFill/>
                       <a:prstDash val="solid"/>
                     </a:lnBlToTr>
+                    <a:noFill/>
                   </a:tcPr>
                 </a:tc>
                 <a:tc>
@@ -6167,7 +6310,7 @@
                       <a:r>
                         <a:rPr lang="pt-BR" sz="1400" kern="1200" dirty="0">
                           <a:solidFill>
-                            <a:schemeClr val="dk1"/>
+                            <a:schemeClr val="tx1"/>
                           </a:solidFill>
                           <a:latin typeface="+mn-lt"/>
                           <a:ea typeface="+mn-ea"/>
@@ -6186,9 +6329,7 @@
                       <a:tailEnd type="none" w="med" len="med"/>
                     </a:lnL>
                     <a:lnR w="12700" cap="flat" cmpd="sng" algn="ctr">
-                      <a:solidFill>
-                        <a:schemeClr val="tx1"/>
-                      </a:solidFill>
+                      <a:noFill/>
                       <a:prstDash val="solid"/>
                       <a:round/>
                       <a:headEnd type="none" w="med" len="med"/>
@@ -6202,9 +6343,7 @@
                       <a:tailEnd type="none" w="med" len="med"/>
                     </a:lnT>
                     <a:lnB w="12700" cap="flat" cmpd="sng" algn="ctr">
-                      <a:solidFill>
-                        <a:schemeClr val="tx1"/>
-                      </a:solidFill>
+                      <a:noFill/>
                       <a:prstDash val="solid"/>
                       <a:round/>
                       <a:headEnd type="none" w="med" len="med"/>
@@ -6218,6 +6357,7 @@
                       <a:noFill/>
                       <a:prstDash val="solid"/>
                     </a:lnBlToTr>
+                    <a:noFill/>
                   </a:tcPr>
                 </a:tc>
                 <a:extLst>
@@ -6250,16 +6390,18 @@
                         <a:defRPr/>
                       </a:pPr>
                       <a:r>
-                        <a:rPr lang="pt-BR" sz="1400" dirty="0"/>
+                        <a:rPr lang="pt-BR" sz="1400" dirty="0">
+                          <a:solidFill>
+                            <a:schemeClr val="tx1"/>
+                          </a:solidFill>
+                        </a:rPr>
                         <a:t>Marketing e Publicidade</a:t>
                       </a:r>
                     </a:p>
                   </a:txBody>
                   <a:tcPr anchor="ctr">
                     <a:lnL w="12700" cap="flat" cmpd="sng" algn="ctr">
-                      <a:solidFill>
-                        <a:schemeClr val="tx1"/>
-                      </a:solidFill>
+                      <a:noFill/>
                       <a:prstDash val="solid"/>
                       <a:round/>
                       <a:headEnd type="none" w="med" len="med"/>
@@ -6273,9 +6415,7 @@
                       <a:tailEnd type="none" w="med" len="med"/>
                     </a:lnR>
                     <a:lnT w="12700" cap="flat" cmpd="sng" algn="ctr">
-                      <a:solidFill>
-                        <a:schemeClr val="tx1"/>
-                      </a:solidFill>
+                      <a:noFill/>
                       <a:prstDash val="solid"/>
                       <a:round/>
                       <a:headEnd type="none" w="med" len="med"/>
@@ -6296,6 +6436,7 @@
                       <a:noFill/>
                       <a:prstDash val="solid"/>
                     </a:lnBlToTr>
+                    <a:noFill/>
                   </a:tcPr>
                 </a:tc>
                 <a:tc>
@@ -6305,7 +6446,11 @@
                     <a:p>
                       <a:pPr algn="ctr"/>
                       <a:r>
-                        <a:rPr lang="pt-BR" sz="1400" dirty="0"/>
+                        <a:rPr lang="pt-BR" sz="1400" dirty="0">
+                          <a:solidFill>
+                            <a:schemeClr val="tx1"/>
+                          </a:solidFill>
+                        </a:rPr>
                         <a:t>Campanhas Digitais</a:t>
                       </a:r>
                     </a:p>
@@ -6326,9 +6471,7 @@
                       <a:tailEnd type="none" w="med" len="med"/>
                     </a:lnR>
                     <a:lnT w="12700" cap="flat" cmpd="sng" algn="ctr">
-                      <a:solidFill>
-                        <a:schemeClr val="tx1"/>
-                      </a:solidFill>
+                      <a:noFill/>
                       <a:prstDash val="solid"/>
                       <a:round/>
                       <a:headEnd type="none" w="med" len="med"/>
@@ -6349,6 +6492,7 @@
                       <a:noFill/>
                       <a:prstDash val="solid"/>
                     </a:lnBlToTr>
+                    <a:noFill/>
                   </a:tcPr>
                 </a:tc>
                 <a:tc>
@@ -6358,7 +6502,11 @@
                     <a:p>
                       <a:pPr algn="ctr"/>
                       <a:r>
-                        <a:rPr lang="pt-BR" sz="1400" dirty="0"/>
+                        <a:rPr lang="pt-BR" sz="1400" dirty="0">
+                          <a:solidFill>
+                            <a:schemeClr val="tx1"/>
+                          </a:solidFill>
+                        </a:rPr>
                         <a:t>1.000,00</a:t>
                       </a:r>
                     </a:p>
@@ -6379,9 +6527,7 @@
                       <a:tailEnd type="none" w="med" len="med"/>
                     </a:lnR>
                     <a:lnT w="12700" cap="flat" cmpd="sng" algn="ctr">
-                      <a:solidFill>
-                        <a:schemeClr val="tx1"/>
-                      </a:solidFill>
+                      <a:noFill/>
                       <a:prstDash val="solid"/>
                       <a:round/>
                       <a:headEnd type="none" w="med" len="med"/>
@@ -6402,6 +6548,7 @@
                       <a:noFill/>
                       <a:prstDash val="solid"/>
                     </a:lnBlToTr>
+                    <a:noFill/>
                   </a:tcPr>
                 </a:tc>
                 <a:tc>
@@ -6411,7 +6558,11 @@
                     <a:p>
                       <a:pPr algn="ctr"/>
                       <a:r>
-                        <a:rPr lang="pt-BR" sz="1400" dirty="0"/>
+                        <a:rPr lang="pt-BR" sz="1400" dirty="0">
+                          <a:solidFill>
+                            <a:schemeClr val="tx1"/>
+                          </a:solidFill>
+                        </a:rPr>
                         <a:t>-</a:t>
                       </a:r>
                     </a:p>
@@ -6432,9 +6583,7 @@
                       <a:tailEnd type="none" w="med" len="med"/>
                     </a:lnR>
                     <a:lnT w="12700" cap="flat" cmpd="sng" algn="ctr">
-                      <a:solidFill>
-                        <a:schemeClr val="tx1"/>
-                      </a:solidFill>
+                      <a:noFill/>
                       <a:prstDash val="solid"/>
                       <a:round/>
                       <a:headEnd type="none" w="med" len="med"/>
@@ -6455,6 +6604,7 @@
                       <a:noFill/>
                       <a:prstDash val="solid"/>
                     </a:lnBlToTr>
+                    <a:noFill/>
                   </a:tcPr>
                 </a:tc>
                 <a:tc>
@@ -6464,7 +6614,11 @@
                     <a:p>
                       <a:pPr algn="ctr"/>
                       <a:r>
-                        <a:rPr lang="pt-BR" sz="1400" dirty="0"/>
+                        <a:rPr lang="pt-BR" sz="1400" dirty="0">
+                          <a:solidFill>
+                            <a:schemeClr val="tx1"/>
+                          </a:solidFill>
+                        </a:rPr>
                         <a:t>6</a:t>
                       </a:r>
                     </a:p>
@@ -6485,9 +6639,7 @@
                       <a:tailEnd type="none" w="med" len="med"/>
                     </a:lnR>
                     <a:lnT w="12700" cap="flat" cmpd="sng" algn="ctr">
-                      <a:solidFill>
-                        <a:schemeClr val="tx1"/>
-                      </a:solidFill>
+                      <a:noFill/>
                       <a:prstDash val="solid"/>
                       <a:round/>
                       <a:headEnd type="none" w="med" len="med"/>
@@ -6508,6 +6660,7 @@
                       <a:noFill/>
                       <a:prstDash val="solid"/>
                     </a:lnBlToTr>
+                    <a:noFill/>
                   </a:tcPr>
                 </a:tc>
                 <a:tc>
@@ -6519,7 +6672,7 @@
                       <a:r>
                         <a:rPr lang="pt-BR" sz="1400" kern="1200" dirty="0">
                           <a:solidFill>
-                            <a:schemeClr val="dk1"/>
+                            <a:schemeClr val="tx1"/>
                           </a:solidFill>
                           <a:latin typeface="+mn-lt"/>
                           <a:ea typeface="+mn-ea"/>
@@ -6538,18 +6691,14 @@
                       <a:tailEnd type="none" w="med" len="med"/>
                     </a:lnL>
                     <a:lnR w="12700" cap="flat" cmpd="sng" algn="ctr">
-                      <a:solidFill>
-                        <a:schemeClr val="tx1"/>
-                      </a:solidFill>
+                      <a:noFill/>
                       <a:prstDash val="solid"/>
                       <a:round/>
                       <a:headEnd type="none" w="med" len="med"/>
                       <a:tailEnd type="none" w="med" len="med"/>
                     </a:lnR>
                     <a:lnT w="12700" cap="flat" cmpd="sng" algn="ctr">
-                      <a:solidFill>
-                        <a:schemeClr val="tx1"/>
-                      </a:solidFill>
+                      <a:noFill/>
                       <a:prstDash val="solid"/>
                       <a:round/>
                       <a:headEnd type="none" w="med" len="med"/>
@@ -6570,6 +6719,7 @@
                       <a:noFill/>
                       <a:prstDash val="solid"/>
                     </a:lnBlToTr>
+                    <a:noFill/>
                   </a:tcPr>
                 </a:tc>
                 <a:extLst>
@@ -6584,14 +6734,16 @@
                     <a:bodyPr/>
                     <a:lstStyle/>
                     <a:p>
-                      <a:endParaRPr lang="pt-BR" sz="1400" dirty="0"/>
+                      <a:endParaRPr lang="pt-BR" sz="1400" dirty="0">
+                        <a:solidFill>
+                          <a:schemeClr val="tx1"/>
+                        </a:solidFill>
+                      </a:endParaRPr>
                     </a:p>
                   </a:txBody>
                   <a:tcPr anchor="ctr">
                     <a:lnL w="12700" cap="flat" cmpd="sng" algn="ctr">
-                      <a:solidFill>
-                        <a:schemeClr val="tx1"/>
-                      </a:solidFill>
+                      <a:noFill/>
                       <a:prstDash val="solid"/>
                       <a:round/>
                       <a:headEnd type="none" w="med" len="med"/>
@@ -6628,6 +6780,7 @@
                       <a:noFill/>
                       <a:prstDash val="solid"/>
                     </a:lnBlToTr>
+                    <a:noFill/>
                   </a:tcPr>
                 </a:tc>
                 <a:tc>
@@ -6637,7 +6790,11 @@
                     <a:p>
                       <a:pPr algn="ctr"/>
                       <a:r>
-                        <a:rPr lang="pt-BR" sz="1400" dirty="0"/>
+                        <a:rPr lang="pt-BR" sz="1400" dirty="0">
+                          <a:solidFill>
+                            <a:schemeClr val="tx1"/>
+                          </a:solidFill>
+                        </a:rPr>
                         <a:t>Designs</a:t>
                       </a:r>
                     </a:p>
@@ -6681,6 +6838,7 @@
                       <a:noFill/>
                       <a:prstDash val="solid"/>
                     </a:lnBlToTr>
+                    <a:noFill/>
                   </a:tcPr>
                 </a:tc>
                 <a:tc>
@@ -6690,7 +6848,11 @@
                     <a:p>
                       <a:pPr algn="ctr"/>
                       <a:r>
-                        <a:rPr lang="pt-BR" sz="1400" dirty="0"/>
+                        <a:rPr lang="pt-BR" sz="1400" dirty="0">
+                          <a:solidFill>
+                            <a:schemeClr val="tx1"/>
+                          </a:solidFill>
+                        </a:rPr>
                         <a:t>300,00</a:t>
                       </a:r>
                     </a:p>
@@ -6734,6 +6896,7 @@
                       <a:noFill/>
                       <a:prstDash val="solid"/>
                     </a:lnBlToTr>
+                    <a:noFill/>
                   </a:tcPr>
                 </a:tc>
                 <a:tc>
@@ -6743,7 +6906,11 @@
                     <a:p>
                       <a:pPr algn="ctr"/>
                       <a:r>
-                        <a:rPr lang="pt-BR" sz="1400" dirty="0"/>
+                        <a:rPr lang="pt-BR" sz="1400" dirty="0">
+                          <a:solidFill>
+                            <a:schemeClr val="tx1"/>
+                          </a:solidFill>
+                        </a:rPr>
                         <a:t>-</a:t>
                       </a:r>
                     </a:p>
@@ -6787,6 +6954,7 @@
                       <a:noFill/>
                       <a:prstDash val="solid"/>
                     </a:lnBlToTr>
+                    <a:noFill/>
                   </a:tcPr>
                 </a:tc>
                 <a:tc>
@@ -6796,7 +6964,11 @@
                     <a:p>
                       <a:pPr algn="ctr"/>
                       <a:r>
-                        <a:rPr lang="pt-BR" sz="1400" dirty="0"/>
+                        <a:rPr lang="pt-BR" sz="1400" dirty="0">
+                          <a:solidFill>
+                            <a:schemeClr val="tx1"/>
+                          </a:solidFill>
+                        </a:rPr>
                         <a:t>1</a:t>
                       </a:r>
                     </a:p>
@@ -6840,6 +7012,7 @@
                       <a:noFill/>
                       <a:prstDash val="solid"/>
                     </a:lnBlToTr>
+                    <a:noFill/>
                   </a:tcPr>
                 </a:tc>
                 <a:tc>
@@ -6851,7 +7024,7 @@
                       <a:r>
                         <a:rPr lang="pt-BR" sz="1400" kern="1200" dirty="0">
                           <a:solidFill>
-                            <a:schemeClr val="dk1"/>
+                            <a:schemeClr val="tx1"/>
                           </a:solidFill>
                           <a:latin typeface="+mn-lt"/>
                           <a:ea typeface="+mn-ea"/>
@@ -6870,9 +7043,7 @@
                       <a:tailEnd type="none" w="med" len="med"/>
                     </a:lnL>
                     <a:lnR w="12700" cap="flat" cmpd="sng" algn="ctr">
-                      <a:solidFill>
-                        <a:schemeClr val="tx1"/>
-                      </a:solidFill>
+                      <a:noFill/>
                       <a:prstDash val="solid"/>
                       <a:round/>
                       <a:headEnd type="none" w="med" len="med"/>
@@ -6902,6 +7073,7 @@
                       <a:noFill/>
                       <a:prstDash val="solid"/>
                     </a:lnBlToTr>
+                    <a:noFill/>
                   </a:tcPr>
                 </a:tc>
                 <a:extLst>
@@ -6916,7 +7088,31 @@
                     <a:bodyPr/>
                     <a:lstStyle/>
                     <a:p>
-                      <a:endParaRPr lang="pt-BR" sz="1400" dirty="0"/>
+                      <a:pPr marL="0" marR="0" lvl="0" indent="0" algn="l" defTabSz="2132427" rtl="0" eaLnBrk="1" fontAlgn="auto" latinLnBrk="0" hangingPunct="1">
+                        <a:lnSpc>
+                          <a:spcPct val="100000"/>
+                        </a:lnSpc>
+                        <a:spcBef>
+                          <a:spcPts val="0"/>
+                        </a:spcBef>
+                        <a:spcAft>
+                          <a:spcPts val="0"/>
+                        </a:spcAft>
+                        <a:buClrTx/>
+                        <a:buSzTx/>
+                        <a:buFontTx/>
+                        <a:buNone/>
+                        <a:tabLst/>
+                        <a:defRPr/>
+                      </a:pPr>
+                      <a:r>
+                        <a:rPr lang="pt-BR" sz="1400" dirty="0">
+                          <a:solidFill>
+                            <a:schemeClr val="tx1"/>
+                          </a:solidFill>
+                        </a:rPr>
+                        <a:t>Total:</a:t>
+                      </a:r>
                     </a:p>
                   </a:txBody>
                   <a:tcPr anchor="ctr">
@@ -6944,7 +7140,9 @@
                       <a:tailEnd type="none" w="med" len="med"/>
                     </a:lnT>
                     <a:lnB w="12700" cap="flat" cmpd="sng" algn="ctr">
-                      <a:noFill/>
+                      <a:solidFill>
+                        <a:schemeClr val="tx1"/>
+                      </a:solidFill>
                       <a:prstDash val="solid"/>
                       <a:round/>
                       <a:headEnd type="none" w="med" len="med"/>
@@ -6967,7 +7165,11 @@
                     <a:lstStyle/>
                     <a:p>
                       <a:pPr algn="ctr"/>
-                      <a:endParaRPr lang="pt-BR" sz="1400" dirty="0"/>
+                      <a:endParaRPr lang="pt-BR" sz="1400" dirty="0">
+                        <a:solidFill>
+                          <a:schemeClr val="tx1"/>
+                        </a:solidFill>
+                      </a:endParaRPr>
                     </a:p>
                   </a:txBody>
                   <a:tcPr anchor="ctr">
@@ -6995,7 +7197,9 @@
                       <a:tailEnd type="none" w="med" len="med"/>
                     </a:lnT>
                     <a:lnB w="12700" cap="flat" cmpd="sng" algn="ctr">
-                      <a:noFill/>
+                      <a:solidFill>
+                        <a:schemeClr val="tx1"/>
+                      </a:solidFill>
                       <a:prstDash val="solid"/>
                       <a:round/>
                       <a:headEnd type="none" w="med" len="med"/>
@@ -7018,7 +7222,11 @@
                     <a:lstStyle/>
                     <a:p>
                       <a:pPr algn="ctr"/>
-                      <a:endParaRPr lang="pt-BR" sz="1400" dirty="0"/>
+                      <a:endParaRPr lang="pt-BR" sz="1400" dirty="0">
+                        <a:solidFill>
+                          <a:schemeClr val="tx1"/>
+                        </a:solidFill>
+                      </a:endParaRPr>
                     </a:p>
                   </a:txBody>
                   <a:tcPr anchor="ctr">
@@ -7046,7 +7254,9 @@
                       <a:tailEnd type="none" w="med" len="med"/>
                     </a:lnT>
                     <a:lnB w="12700" cap="flat" cmpd="sng" algn="ctr">
-                      <a:noFill/>
+                      <a:solidFill>
+                        <a:schemeClr val="tx1"/>
+                      </a:solidFill>
                       <a:prstDash val="solid"/>
                       <a:round/>
                       <a:headEnd type="none" w="med" len="med"/>
@@ -7069,7 +7279,11 @@
                     <a:lstStyle/>
                     <a:p>
                       <a:pPr algn="ctr"/>
-                      <a:endParaRPr lang="pt-BR" sz="1400" dirty="0"/>
+                      <a:endParaRPr lang="pt-BR" sz="1400" dirty="0">
+                        <a:solidFill>
+                          <a:schemeClr val="tx1"/>
+                        </a:solidFill>
+                      </a:endParaRPr>
                     </a:p>
                   </a:txBody>
                   <a:tcPr anchor="ctr">
@@ -7081,9 +7295,7 @@
                       <a:tailEnd type="none" w="med" len="med"/>
                     </a:lnL>
                     <a:lnR w="12700" cap="flat" cmpd="sng" algn="ctr">
-                      <a:solidFill>
-                        <a:schemeClr val="tx1"/>
-                      </a:solidFill>
+                      <a:noFill/>
                       <a:prstDash val="solid"/>
                       <a:round/>
                       <a:headEnd type="none" w="med" len="med"/>
@@ -7099,7 +7311,9 @@
                       <a:tailEnd type="none" w="med" len="med"/>
                     </a:lnT>
                     <a:lnB w="12700" cap="flat" cmpd="sng" algn="ctr">
-                      <a:noFill/>
+                      <a:solidFill>
+                        <a:schemeClr val="tx1"/>
+                      </a:solidFill>
                       <a:prstDash val="solid"/>
                       <a:round/>
                       <a:headEnd type="none" w="med" len="med"/>
@@ -7122,21 +7336,16 @@
                     <a:lstStyle/>
                     <a:p>
                       <a:pPr algn="ctr"/>
-                      <a:r>
-                        <a:rPr lang="pt-BR" sz="1400" dirty="0">
-                          <a:solidFill>
-                            <a:schemeClr val="bg1"/>
-                          </a:solidFill>
-                        </a:rPr>
-                        <a:t>Total:</a:t>
-                      </a:r>
+                      <a:endParaRPr lang="pt-BR" sz="1400" dirty="0">
+                        <a:solidFill>
+                          <a:schemeClr val="tx1"/>
+                        </a:solidFill>
+                      </a:endParaRPr>
                     </a:p>
                   </a:txBody>
                   <a:tcPr anchor="ctr">
                     <a:lnL w="12700" cap="flat" cmpd="sng" algn="ctr">
-                      <a:solidFill>
-                        <a:schemeClr val="tx1"/>
-                      </a:solidFill>
+                      <a:noFill/>
                       <a:prstDash val="solid"/>
                       <a:round/>
                       <a:headEnd type="none" w="med" len="med"/>
@@ -7175,11 +7384,7 @@
                       <a:noFill/>
                       <a:prstDash val="solid"/>
                     </a:lnBlToTr>
-                    <a:solidFill>
-                      <a:schemeClr val="tx2">
-                        <a:lumMod val="50000"/>
-                      </a:schemeClr>
-                    </a:solidFill>
+                    <a:noFill/>
                   </a:tcPr>
                 </a:tc>
                 <a:tc>
@@ -7191,7 +7396,7 @@
                       <a:r>
                         <a:rPr lang="pt-BR" sz="1400" kern="1200" dirty="0">
                           <a:solidFill>
-                            <a:schemeClr val="bg1"/>
+                            <a:schemeClr val="tx1"/>
                           </a:solidFill>
                           <a:latin typeface="+mn-lt"/>
                           <a:ea typeface="+mn-ea"/>
@@ -7210,9 +7415,7 @@
                       <a:tailEnd type="none" w="med" len="med"/>
                     </a:lnL>
                     <a:lnR w="12700" cap="flat" cmpd="sng" algn="ctr">
-                      <a:solidFill>
-                        <a:schemeClr val="tx1"/>
-                      </a:solidFill>
+                      <a:noFill/>
                       <a:prstDash val="solid"/>
                       <a:round/>
                       <a:headEnd type="none" w="med" len="med"/>
@@ -7244,11 +7447,7 @@
                       <a:noFill/>
                       <a:prstDash val="solid"/>
                     </a:lnBlToTr>
-                    <a:solidFill>
-                      <a:schemeClr val="tx2">
-                        <a:lumMod val="50000"/>
-                      </a:schemeClr>
-                    </a:solidFill>
+                    <a:noFill/>
                   </a:tcPr>
                 </a:tc>
                 <a:extLst>
@@ -7425,7 +7624,7 @@
         <p:spPr>
           <a:xfrm>
             <a:off x="14457049" y="13976321"/>
-            <a:ext cx="2686883" cy="830997"/>
+            <a:ext cx="2686883" cy="769441"/>
           </a:xfrm>
           <a:prstGeom prst="rect">
             <a:avLst/>
@@ -7439,14 +7638,14 @@
           <a:lstStyle/>
           <a:p>
             <a:r>
-              <a:rPr lang="pt-BR" sz="2400" b="1" dirty="0">
+              <a:rPr lang="pt-BR" sz="2200" b="1" dirty="0">
                 <a:latin typeface="Arial" panose="020B0604020202020204" pitchFamily="34" charset="0"/>
                 <a:cs typeface="Arial" panose="020B0604020202020204" pitchFamily="34" charset="0"/>
               </a:rPr>
               <a:t>Figura 3</a:t>
             </a:r>
             <a:r>
-              <a:rPr lang="pt-BR" sz="2400" dirty="0">
+              <a:rPr lang="pt-BR" sz="2200" dirty="0">
                 <a:latin typeface="Arial" panose="020B0604020202020204" pitchFamily="34" charset="0"/>
                 <a:cs typeface="Arial" panose="020B0604020202020204" pitchFamily="34" charset="0"/>
               </a:rPr>
@@ -7469,7 +7668,7 @@
         </p:nvSpPr>
         <p:spPr>
           <a:xfrm>
-            <a:off x="14437924" y="14731296"/>
+            <a:off x="14457049" y="14689416"/>
             <a:ext cx="2400657" cy="707886"/>
           </a:xfrm>
           <a:prstGeom prst="rect">
@@ -7510,8 +7709,8 @@
         </p:nvSpPr>
         <p:spPr>
           <a:xfrm>
-            <a:off x="18291867" y="14314677"/>
-            <a:ext cx="2686883" cy="830997"/>
+            <a:off x="18291867" y="14488493"/>
+            <a:ext cx="2686883" cy="769441"/>
           </a:xfrm>
           <a:prstGeom prst="rect">
             <a:avLst/>
@@ -7526,14 +7725,14 @@
           <a:p>
             <a:pPr algn="r"/>
             <a:r>
-              <a:rPr lang="pt-BR" sz="2400" b="1" dirty="0">
+              <a:rPr lang="pt-BR" sz="2200" b="1" dirty="0">
                 <a:latin typeface="Arial" panose="020B0604020202020204" pitchFamily="34" charset="0"/>
                 <a:cs typeface="Arial" panose="020B0604020202020204" pitchFamily="34" charset="0"/>
               </a:rPr>
               <a:t>Figura 4</a:t>
             </a:r>
             <a:r>
-              <a:rPr lang="pt-BR" sz="2400" dirty="0">
+              <a:rPr lang="pt-BR" sz="2200" dirty="0">
                 <a:latin typeface="Arial" panose="020B0604020202020204" pitchFamily="34" charset="0"/>
                 <a:cs typeface="Arial" panose="020B0604020202020204" pitchFamily="34" charset="0"/>
               </a:rPr>
@@ -7859,23 +8058,6 @@
 </file>
 
 <file path=customXml/item1.xml><?xml version="1.0" encoding="utf-8"?>
-<p:properties xmlns:p="http://schemas.microsoft.com/office/2006/metadata/properties" xmlns:xsi="http://www.w3.org/2001/XMLSchema-instance" xmlns:pc="http://schemas.microsoft.com/office/infopath/2007/PartnerControls">
-  <documentManagement>
-    <_activity xmlns="ff6ad67d-1b1d-4c73-9dd4-98a4fbcad5a6" xsi:nil="true"/>
-  </documentManagement>
-</p:properties>
-</file>
-
-<file path=customXml/item2.xml><?xml version="1.0" encoding="utf-8"?>
-<?mso-contentType ?>
-<FormTemplates xmlns="http://schemas.microsoft.com/sharepoint/v3/contenttype/forms">
-  <Display>DocumentLibraryForm</Display>
-  <Edit>DocumentLibraryForm</Edit>
-  <New>DocumentLibraryForm</New>
-</FormTemplates>
-</file>
-
-<file path=customXml/item3.xml><?xml version="1.0" encoding="utf-8"?>
 <ct:contentTypeSchema xmlns:ct="http://schemas.microsoft.com/office/2006/metadata/contentType" xmlns:ma="http://schemas.microsoft.com/office/2006/metadata/properties/metaAttributes" ct:_="" ma:_="" ma:contentTypeName="Documento" ma:contentTypeID="0x0101009A894B47E77362449B3110FE52FC1761" ma:contentTypeVersion="16" ma:contentTypeDescription="Crie um novo documento." ma:contentTypeScope="" ma:versionID="a174adf514af0ec3b9bd0eb9e1c0e71e">
   <xsd:schema xmlns:xsd="http://www.w3.org/2001/XMLSchema" xmlns:xs="http://www.w3.org/2001/XMLSchema" xmlns:p="http://schemas.microsoft.com/office/2006/metadata/properties" xmlns:ns3="a3014d1d-f2cc-4095-a524-fddffbc006f1" xmlns:ns4="ff6ad67d-1b1d-4c73-9dd4-98a4fbcad5a6" targetNamespace="http://schemas.microsoft.com/office/2006/metadata/properties" ma:root="true" ma:fieldsID="6ce6fbd86bcd44befd99bda8c56c7cb1" ns3:_="" ns4:_="">
     <xsd:import namespace="a3014d1d-f2cc-4095-a524-fddffbc006f1"/>
@@ -8116,32 +8298,24 @@
 </ct:contentTypeSchema>
 </file>
 
-<file path=customXml/itemProps1.xml><?xml version="1.0" encoding="utf-8"?>
-<ds:datastoreItem xmlns:ds="http://schemas.openxmlformats.org/officeDocument/2006/customXml" ds:itemID="{0F738E70-B1B1-4A3C-BB3D-3799789DDC9A}">
-  <ds:schemaRefs>
-    <ds:schemaRef ds:uri="a3014d1d-f2cc-4095-a524-fddffbc006f1"/>
-    <ds:schemaRef ds:uri="ff6ad67d-1b1d-4c73-9dd4-98a4fbcad5a6"/>
-    <ds:schemaRef ds:uri="http://purl.org/dc/dcmitype/"/>
-    <ds:schemaRef ds:uri="http://purl.org/dc/elements/1.1/"/>
-    <ds:schemaRef ds:uri="http://purl.org/dc/terms/"/>
-    <ds:schemaRef ds:uri="http://schemas.microsoft.com/office/2006/documentManagement/types"/>
-    <ds:schemaRef ds:uri="http://schemas.microsoft.com/office/2006/metadata/properties"/>
-    <ds:schemaRef ds:uri="http://schemas.microsoft.com/office/infopath/2007/PartnerControls"/>
-    <ds:schemaRef ds:uri="http://schemas.openxmlformats.org/package/2006/metadata/core-properties"/>
-    <ds:schemaRef ds:uri="http://www.w3.org/XML/1998/namespace"/>
-  </ds:schemaRefs>
-</ds:datastoreItem>
+<file path=customXml/item2.xml><?xml version="1.0" encoding="utf-8"?>
+<?mso-contentType ?>
+<FormTemplates xmlns="http://schemas.microsoft.com/sharepoint/v3/contenttype/forms">
+  <Display>DocumentLibraryForm</Display>
+  <Edit>DocumentLibraryForm</Edit>
+  <New>DocumentLibraryForm</New>
+</FormTemplates>
 </file>
 
-<file path=customXml/itemProps2.xml><?xml version="1.0" encoding="utf-8"?>
-<ds:datastoreItem xmlns:ds="http://schemas.openxmlformats.org/officeDocument/2006/customXml" ds:itemID="{5BC455D9-37CD-46E7-8021-8644E5D67886}">
-  <ds:schemaRefs>
-    <ds:schemaRef ds:uri="http://schemas.microsoft.com/sharepoint/v3/contenttype/forms"/>
-  </ds:schemaRefs>
-</ds:datastoreItem>
+<file path=customXml/item3.xml><?xml version="1.0" encoding="utf-8"?>
+<p:properties xmlns:p="http://schemas.microsoft.com/office/2006/metadata/properties" xmlns:xsi="http://www.w3.org/2001/XMLSchema-instance" xmlns:pc="http://schemas.microsoft.com/office/infopath/2007/PartnerControls">
+  <documentManagement>
+    <_activity xmlns="ff6ad67d-1b1d-4c73-9dd4-98a4fbcad5a6" xsi:nil="true"/>
+  </documentManagement>
+</p:properties>
 </file>
 
-<file path=customXml/itemProps3.xml><?xml version="1.0" encoding="utf-8"?>
+<file path=customXml/itemProps1.xml><?xml version="1.0" encoding="utf-8"?>
 <ds:datastoreItem xmlns:ds="http://schemas.openxmlformats.org/officeDocument/2006/customXml" ds:itemID="{BDF6B089-4EFF-41B7-9EC4-20E73BF0D62B}">
   <ds:schemaRefs>
     <ds:schemaRef ds:uri="a3014d1d-f2cc-4095-a524-fddffbc006f1"/>
@@ -8158,4 +8332,29 @@
     <ds:schemaRef ds:uri="http://www.w3.org/2001/XMLSchema"/>
   </ds:schemaRefs>
 </ds:datastoreItem>
+</file>
+
+<file path=customXml/itemProps2.xml><?xml version="1.0" encoding="utf-8"?>
+<ds:datastoreItem xmlns:ds="http://schemas.openxmlformats.org/officeDocument/2006/customXml" ds:itemID="{5BC455D9-37CD-46E7-8021-8644E5D67886}">
+  <ds:schemaRefs>
+    <ds:schemaRef ds:uri="http://schemas.microsoft.com/sharepoint/v3/contenttype/forms"/>
+  </ds:schemaRefs>
+</ds:datastoreItem>
+</file>
+
+<file path=customXml/itemProps3.xml><?xml version="1.0" encoding="utf-8"?>
+<ds:datastoreItem xmlns:ds="http://schemas.openxmlformats.org/officeDocument/2006/customXml" ds:itemID="{0F738E70-B1B1-4A3C-BB3D-3799789DDC9A}">
+  <ds:schemaRefs>
+    <ds:schemaRef ds:uri="a3014d1d-f2cc-4095-a524-fddffbc006f1"/>
+    <ds:schemaRef ds:uri="ff6ad67d-1b1d-4c73-9dd4-98a4fbcad5a6"/>
+    <ds:schemaRef ds:uri="http://purl.org/dc/dcmitype/"/>
+    <ds:schemaRef ds:uri="http://purl.org/dc/elements/1.1/"/>
+    <ds:schemaRef ds:uri="http://purl.org/dc/terms/"/>
+    <ds:schemaRef ds:uri="http://schemas.microsoft.com/office/2006/documentManagement/types"/>
+    <ds:schemaRef ds:uri="http://schemas.microsoft.com/office/2006/metadata/properties"/>
+    <ds:schemaRef ds:uri="http://schemas.microsoft.com/office/infopath/2007/PartnerControls"/>
+    <ds:schemaRef ds:uri="http://schemas.openxmlformats.org/package/2006/metadata/core-properties"/>
+    <ds:schemaRef ds:uri="http://www.w3.org/XML/1998/namespace"/>
+  </ds:schemaRefs>
+</ds:datastoreItem>
 </file>